--- a/耶和華是愛.pptx
+++ b/耶和華是愛.pptx
@@ -2,7 +2,7 @@
 <file path=ppt/presentation.xml><?xml version="1.0" encoding="utf-8"?>
 <p:presentation xmlns:a="http://schemas.openxmlformats.org/drawingml/2006/main" xmlns:r="http://schemas.openxmlformats.org/officeDocument/2006/relationships" xmlns:p="http://schemas.openxmlformats.org/presentationml/2006/main" saveSubsetFonts="1">
   <p:sldMasterIdLst>
-    <p:sldMasterId id="2147483684" r:id="rId1"/>
+    <p:sldMasterId id="2147483696" r:id="rId1"/>
   </p:sldMasterIdLst>
   <p:sldIdLst>
     <p:sldId id="256" r:id="rId2"/>
@@ -10,7 +10,7 @@
     <p:sldId id="258" r:id="rId4"/>
     <p:sldId id="259" r:id="rId5"/>
   </p:sldIdLst>
-  <p:sldSz cx="9144000" cy="6858000" type="screen4x3"/>
+  <p:sldSz cx="9144000" cy="5143500" type="screen16x9"/>
   <p:notesSz cx="6858000" cy="9144000"/>
   <p:defaultTextStyle>
     <a:defPPr>
@@ -139,8 +139,8 @@
         </p:nvSpPr>
         <p:spPr>
           <a:xfrm>
-            <a:off x="685800" y="2130425"/>
-            <a:ext cx="7772400" cy="1470025"/>
+            <a:off x="685800" y="1597819"/>
+            <a:ext cx="7772400" cy="1102519"/>
           </a:xfrm>
         </p:spPr>
         <p:txBody>
@@ -148,8 +148,8 @@
           <a:lstStyle/>
           <a:p>
             <a:r>
-              <a:rPr lang="zh-TW" altLang="en-US" smtClean="0"/>
-              <a:t>按一下以編輯母片標題樣式</a:t>
+              <a:rPr lang="en-US" altLang="zh-TW" smtClean="0"/>
+              <a:t>Click to edit Master title style</a:t>
             </a:r>
             <a:endParaRPr lang="zh-TW" altLang="en-US"/>
           </a:p>
@@ -167,8 +167,8 @@
         </p:nvSpPr>
         <p:spPr>
           <a:xfrm>
-            <a:off x="1371600" y="3886200"/>
-            <a:ext cx="6400800" cy="1752600"/>
+            <a:off x="1371600" y="2914650"/>
+            <a:ext cx="6400800" cy="1314450"/>
           </a:xfrm>
         </p:spPr>
         <p:txBody>
@@ -267,8 +267,8 @@
           </a:lstStyle>
           <a:p>
             <a:r>
-              <a:rPr lang="zh-TW" altLang="en-US" smtClean="0"/>
-              <a:t>按一下以編輯母片副標題樣式</a:t>
+              <a:rPr lang="en-US" altLang="zh-TW" smtClean="0"/>
+              <a:t>Click to edit Master subtitle style</a:t>
             </a:r>
             <a:endParaRPr lang="zh-TW" altLang="en-US"/>
           </a:p>
@@ -292,7 +292,7 @@
             <a:fld id="{4E1EB9D4-5A2D-4F2A-8FB8-D7EA6433C080}" type="datetimeFigureOut">
               <a:rPr lang="en-US" smtClean="0"/>
               <a:pPr/>
-              <a:t>2/9/2019</a:t>
+              <a:t>10/12/2019</a:t>
             </a:fld>
             <a:endParaRPr lang="en-US"/>
           </a:p>
@@ -382,8 +382,8 @@
           <a:lstStyle/>
           <a:p>
             <a:r>
-              <a:rPr lang="zh-TW" altLang="en-US" smtClean="0"/>
-              <a:t>按一下以編輯母片標題樣式</a:t>
+              <a:rPr lang="en-US" altLang="zh-TW" smtClean="0"/>
+              <a:t>Click to edit Master title style</a:t>
             </a:r>
             <a:endParaRPr lang="zh-TW" altLang="en-US"/>
           </a:p>
@@ -406,36 +406,36 @@
           <a:p>
             <a:pPr lvl="0"/>
             <a:r>
-              <a:rPr lang="zh-TW" altLang="en-US" smtClean="0"/>
-              <a:t>按一下以編輯母片文字樣式</a:t>
+              <a:rPr lang="en-US" altLang="zh-TW" smtClean="0"/>
+              <a:t>Click to edit Master text styles</a:t>
             </a:r>
           </a:p>
           <a:p>
             <a:pPr lvl="1"/>
             <a:r>
-              <a:rPr lang="zh-TW" altLang="en-US" smtClean="0"/>
-              <a:t>第二層</a:t>
+              <a:rPr lang="en-US" altLang="zh-TW" smtClean="0"/>
+              <a:t>Second level</a:t>
             </a:r>
           </a:p>
           <a:p>
             <a:pPr lvl="2"/>
             <a:r>
-              <a:rPr lang="zh-TW" altLang="en-US" smtClean="0"/>
-              <a:t>第三層</a:t>
+              <a:rPr lang="en-US" altLang="zh-TW" smtClean="0"/>
+              <a:t>Third level</a:t>
             </a:r>
           </a:p>
           <a:p>
             <a:pPr lvl="3"/>
             <a:r>
-              <a:rPr lang="zh-TW" altLang="en-US" smtClean="0"/>
-              <a:t>第四層</a:t>
+              <a:rPr lang="en-US" altLang="zh-TW" smtClean="0"/>
+              <a:t>Fourth level</a:t>
             </a:r>
           </a:p>
           <a:p>
             <a:pPr lvl="4"/>
             <a:r>
-              <a:rPr lang="zh-TW" altLang="en-US" smtClean="0"/>
-              <a:t>第五層</a:t>
+              <a:rPr lang="en-US" altLang="zh-TW" smtClean="0"/>
+              <a:t>Fifth level</a:t>
             </a:r>
             <a:endParaRPr lang="zh-TW" altLang="en-US"/>
           </a:p>
@@ -459,7 +459,7 @@
             <a:fld id="{4E1EB9D4-5A2D-4F2A-8FB8-D7EA6433C080}" type="datetimeFigureOut">
               <a:rPr lang="en-US" smtClean="0"/>
               <a:pPr/>
-              <a:t>2/9/2019</a:t>
+              <a:t>10/12/2019</a:t>
             </a:fld>
             <a:endParaRPr lang="en-US"/>
           </a:p>
@@ -545,8 +545,8 @@
         </p:nvSpPr>
         <p:spPr>
           <a:xfrm>
-            <a:off x="6629400" y="274638"/>
-            <a:ext cx="2057400" cy="5851525"/>
+            <a:off x="6629400" y="205979"/>
+            <a:ext cx="2057400" cy="4388644"/>
           </a:xfrm>
         </p:spPr>
         <p:txBody>
@@ -554,8 +554,8 @@
           <a:lstStyle/>
           <a:p>
             <a:r>
-              <a:rPr lang="zh-TW" altLang="en-US" smtClean="0"/>
-              <a:t>按一下以編輯母片標題樣式</a:t>
+              <a:rPr lang="en-US" altLang="zh-TW" smtClean="0"/>
+              <a:t>Click to edit Master title style</a:t>
             </a:r>
             <a:endParaRPr lang="zh-TW" altLang="en-US"/>
           </a:p>
@@ -573,8 +573,8 @@
         </p:nvSpPr>
         <p:spPr>
           <a:xfrm>
-            <a:off x="457200" y="274638"/>
-            <a:ext cx="6019800" cy="5851525"/>
+            <a:off x="457200" y="205979"/>
+            <a:ext cx="6019800" cy="4388644"/>
           </a:xfrm>
         </p:spPr>
         <p:txBody>
@@ -583,36 +583,36 @@
           <a:p>
             <a:pPr lvl="0"/>
             <a:r>
-              <a:rPr lang="zh-TW" altLang="en-US" smtClean="0"/>
-              <a:t>按一下以編輯母片文字樣式</a:t>
+              <a:rPr lang="en-US" altLang="zh-TW" smtClean="0"/>
+              <a:t>Click to edit Master text styles</a:t>
             </a:r>
           </a:p>
           <a:p>
             <a:pPr lvl="1"/>
             <a:r>
-              <a:rPr lang="zh-TW" altLang="en-US" smtClean="0"/>
-              <a:t>第二層</a:t>
+              <a:rPr lang="en-US" altLang="zh-TW" smtClean="0"/>
+              <a:t>Second level</a:t>
             </a:r>
           </a:p>
           <a:p>
             <a:pPr lvl="2"/>
             <a:r>
-              <a:rPr lang="zh-TW" altLang="en-US" smtClean="0"/>
-              <a:t>第三層</a:t>
+              <a:rPr lang="en-US" altLang="zh-TW" smtClean="0"/>
+              <a:t>Third level</a:t>
             </a:r>
           </a:p>
           <a:p>
             <a:pPr lvl="3"/>
             <a:r>
-              <a:rPr lang="zh-TW" altLang="en-US" smtClean="0"/>
-              <a:t>第四層</a:t>
+              <a:rPr lang="en-US" altLang="zh-TW" smtClean="0"/>
+              <a:t>Fourth level</a:t>
             </a:r>
           </a:p>
           <a:p>
             <a:pPr lvl="4"/>
             <a:r>
-              <a:rPr lang="zh-TW" altLang="en-US" smtClean="0"/>
-              <a:t>第五層</a:t>
+              <a:rPr lang="en-US" altLang="zh-TW" smtClean="0"/>
+              <a:t>Fifth level</a:t>
             </a:r>
             <a:endParaRPr lang="zh-TW" altLang="en-US"/>
           </a:p>
@@ -636,7 +636,7 @@
             <a:fld id="{4E1EB9D4-5A2D-4F2A-8FB8-D7EA6433C080}" type="datetimeFigureOut">
               <a:rPr lang="en-US" smtClean="0"/>
               <a:pPr/>
-              <a:t>2/9/2019</a:t>
+              <a:t>10/12/2019</a:t>
             </a:fld>
             <a:endParaRPr lang="en-US"/>
           </a:p>
@@ -726,8 +726,8 @@
           <a:lstStyle/>
           <a:p>
             <a:r>
-              <a:rPr lang="zh-TW" altLang="en-US" smtClean="0"/>
-              <a:t>按一下以編輯母片標題樣式</a:t>
+              <a:rPr lang="en-US" altLang="zh-TW" smtClean="0"/>
+              <a:t>Click to edit Master title style</a:t>
             </a:r>
             <a:endParaRPr lang="zh-TW" altLang="en-US"/>
           </a:p>
@@ -750,36 +750,36 @@
           <a:p>
             <a:pPr lvl="0"/>
             <a:r>
-              <a:rPr lang="zh-TW" altLang="en-US" smtClean="0"/>
-              <a:t>按一下以編輯母片文字樣式</a:t>
+              <a:rPr lang="en-US" altLang="zh-TW" smtClean="0"/>
+              <a:t>Click to edit Master text styles</a:t>
             </a:r>
           </a:p>
           <a:p>
             <a:pPr lvl="1"/>
             <a:r>
-              <a:rPr lang="zh-TW" altLang="en-US" smtClean="0"/>
-              <a:t>第二層</a:t>
+              <a:rPr lang="en-US" altLang="zh-TW" smtClean="0"/>
+              <a:t>Second level</a:t>
             </a:r>
           </a:p>
           <a:p>
             <a:pPr lvl="2"/>
             <a:r>
-              <a:rPr lang="zh-TW" altLang="en-US" smtClean="0"/>
-              <a:t>第三層</a:t>
+              <a:rPr lang="en-US" altLang="zh-TW" smtClean="0"/>
+              <a:t>Third level</a:t>
             </a:r>
           </a:p>
           <a:p>
             <a:pPr lvl="3"/>
             <a:r>
-              <a:rPr lang="zh-TW" altLang="en-US" smtClean="0"/>
-              <a:t>第四層</a:t>
+              <a:rPr lang="en-US" altLang="zh-TW" smtClean="0"/>
+              <a:t>Fourth level</a:t>
             </a:r>
           </a:p>
           <a:p>
             <a:pPr lvl="4"/>
             <a:r>
-              <a:rPr lang="zh-TW" altLang="en-US" smtClean="0"/>
-              <a:t>第五層</a:t>
+              <a:rPr lang="en-US" altLang="zh-TW" smtClean="0"/>
+              <a:t>Fifth level</a:t>
             </a:r>
             <a:endParaRPr lang="zh-TW" altLang="en-US"/>
           </a:p>
@@ -803,7 +803,7 @@
             <a:fld id="{4E1EB9D4-5A2D-4F2A-8FB8-D7EA6433C080}" type="datetimeFigureOut">
               <a:rPr lang="en-US" smtClean="0"/>
               <a:pPr/>
-              <a:t>2/9/2019</a:t>
+              <a:t>10/12/2019</a:t>
             </a:fld>
             <a:endParaRPr lang="en-US"/>
           </a:p>
@@ -889,8 +889,8 @@
         </p:nvSpPr>
         <p:spPr>
           <a:xfrm>
-            <a:off x="722313" y="4406900"/>
-            <a:ext cx="7772400" cy="1362075"/>
+            <a:off x="722313" y="3305176"/>
+            <a:ext cx="7772400" cy="1021556"/>
           </a:xfrm>
         </p:spPr>
         <p:txBody>
@@ -902,8 +902,8 @@
           </a:lstStyle>
           <a:p>
             <a:r>
-              <a:rPr lang="zh-TW" altLang="en-US" smtClean="0"/>
-              <a:t>按一下以編輯母片標題樣式</a:t>
+              <a:rPr lang="en-US" altLang="zh-TW" smtClean="0"/>
+              <a:t>Click to edit Master title style</a:t>
             </a:r>
             <a:endParaRPr lang="zh-TW" altLang="en-US"/>
           </a:p>
@@ -921,8 +921,8 @@
         </p:nvSpPr>
         <p:spPr>
           <a:xfrm>
-            <a:off x="722313" y="2906713"/>
-            <a:ext cx="7772400" cy="1500187"/>
+            <a:off x="722313" y="2180035"/>
+            <a:ext cx="7772400" cy="1125140"/>
           </a:xfrm>
         </p:spPr>
         <p:txBody>
@@ -1022,8 +1022,8 @@
           <a:p>
             <a:pPr lvl="0"/>
             <a:r>
-              <a:rPr lang="zh-TW" altLang="en-US" smtClean="0"/>
-              <a:t>按一下以編輯母片文字樣式</a:t>
+              <a:rPr lang="en-US" altLang="zh-TW" smtClean="0"/>
+              <a:t>Click to edit Master text styles</a:t>
             </a:r>
           </a:p>
         </p:txBody>
@@ -1046,7 +1046,7 @@
             <a:fld id="{4E1EB9D4-5A2D-4F2A-8FB8-D7EA6433C080}" type="datetimeFigureOut">
               <a:rPr lang="en-US" smtClean="0"/>
               <a:pPr/>
-              <a:t>2/9/2019</a:t>
+              <a:t>10/12/2019</a:t>
             </a:fld>
             <a:endParaRPr lang="en-US"/>
           </a:p>
@@ -1136,8 +1136,8 @@
           <a:lstStyle/>
           <a:p>
             <a:r>
-              <a:rPr lang="zh-TW" altLang="en-US" smtClean="0"/>
-              <a:t>按一下以編輯母片標題樣式</a:t>
+              <a:rPr lang="en-US" altLang="zh-TW" smtClean="0"/>
+              <a:t>Click to edit Master title style</a:t>
             </a:r>
             <a:endParaRPr lang="zh-TW" altLang="en-US"/>
           </a:p>
@@ -1155,8 +1155,8 @@
         </p:nvSpPr>
         <p:spPr>
           <a:xfrm>
-            <a:off x="457200" y="1600200"/>
-            <a:ext cx="4038600" cy="4525963"/>
+            <a:off x="457200" y="1200151"/>
+            <a:ext cx="4038600" cy="3394472"/>
           </a:xfrm>
         </p:spPr>
         <p:txBody>
@@ -1193,36 +1193,36 @@
           <a:p>
             <a:pPr lvl="0"/>
             <a:r>
-              <a:rPr lang="zh-TW" altLang="en-US" smtClean="0"/>
-              <a:t>按一下以編輯母片文字樣式</a:t>
+              <a:rPr lang="en-US" altLang="zh-TW" smtClean="0"/>
+              <a:t>Click to edit Master text styles</a:t>
             </a:r>
           </a:p>
           <a:p>
             <a:pPr lvl="1"/>
             <a:r>
-              <a:rPr lang="zh-TW" altLang="en-US" smtClean="0"/>
-              <a:t>第二層</a:t>
+              <a:rPr lang="en-US" altLang="zh-TW" smtClean="0"/>
+              <a:t>Second level</a:t>
             </a:r>
           </a:p>
           <a:p>
             <a:pPr lvl="2"/>
             <a:r>
-              <a:rPr lang="zh-TW" altLang="en-US" smtClean="0"/>
-              <a:t>第三層</a:t>
+              <a:rPr lang="en-US" altLang="zh-TW" smtClean="0"/>
+              <a:t>Third level</a:t>
             </a:r>
           </a:p>
           <a:p>
             <a:pPr lvl="3"/>
             <a:r>
-              <a:rPr lang="zh-TW" altLang="en-US" smtClean="0"/>
-              <a:t>第四層</a:t>
+              <a:rPr lang="en-US" altLang="zh-TW" smtClean="0"/>
+              <a:t>Fourth level</a:t>
             </a:r>
           </a:p>
           <a:p>
             <a:pPr lvl="4"/>
             <a:r>
-              <a:rPr lang="zh-TW" altLang="en-US" smtClean="0"/>
-              <a:t>第五層</a:t>
+              <a:rPr lang="en-US" altLang="zh-TW" smtClean="0"/>
+              <a:t>Fifth level</a:t>
             </a:r>
             <a:endParaRPr lang="zh-TW" altLang="en-US"/>
           </a:p>
@@ -1240,8 +1240,8 @@
         </p:nvSpPr>
         <p:spPr>
           <a:xfrm>
-            <a:off x="4648200" y="1600200"/>
-            <a:ext cx="4038600" cy="4525963"/>
+            <a:off x="4648200" y="1200151"/>
+            <a:ext cx="4038600" cy="3394472"/>
           </a:xfrm>
         </p:spPr>
         <p:txBody>
@@ -1278,36 +1278,36 @@
           <a:p>
             <a:pPr lvl="0"/>
             <a:r>
-              <a:rPr lang="zh-TW" altLang="en-US" smtClean="0"/>
-              <a:t>按一下以編輯母片文字樣式</a:t>
+              <a:rPr lang="en-US" altLang="zh-TW" smtClean="0"/>
+              <a:t>Click to edit Master text styles</a:t>
             </a:r>
           </a:p>
           <a:p>
             <a:pPr lvl="1"/>
             <a:r>
-              <a:rPr lang="zh-TW" altLang="en-US" smtClean="0"/>
-              <a:t>第二層</a:t>
+              <a:rPr lang="en-US" altLang="zh-TW" smtClean="0"/>
+              <a:t>Second level</a:t>
             </a:r>
           </a:p>
           <a:p>
             <a:pPr lvl="2"/>
             <a:r>
-              <a:rPr lang="zh-TW" altLang="en-US" smtClean="0"/>
-              <a:t>第三層</a:t>
+              <a:rPr lang="en-US" altLang="zh-TW" smtClean="0"/>
+              <a:t>Third level</a:t>
             </a:r>
           </a:p>
           <a:p>
             <a:pPr lvl="3"/>
             <a:r>
-              <a:rPr lang="zh-TW" altLang="en-US" smtClean="0"/>
-              <a:t>第四層</a:t>
+              <a:rPr lang="en-US" altLang="zh-TW" smtClean="0"/>
+              <a:t>Fourth level</a:t>
             </a:r>
           </a:p>
           <a:p>
             <a:pPr lvl="4"/>
             <a:r>
-              <a:rPr lang="zh-TW" altLang="en-US" smtClean="0"/>
-              <a:t>第五層</a:t>
+              <a:rPr lang="en-US" altLang="zh-TW" smtClean="0"/>
+              <a:t>Fifth level</a:t>
             </a:r>
             <a:endParaRPr lang="zh-TW" altLang="en-US"/>
           </a:p>
@@ -1331,7 +1331,7 @@
             <a:fld id="{4E1EB9D4-5A2D-4F2A-8FB8-D7EA6433C080}" type="datetimeFigureOut">
               <a:rPr lang="en-US" smtClean="0"/>
               <a:pPr/>
-              <a:t>2/9/2019</a:t>
+              <a:t>10/12/2019</a:t>
             </a:fld>
             <a:endParaRPr lang="en-US"/>
           </a:p>
@@ -1425,8 +1425,8 @@
           </a:lstStyle>
           <a:p>
             <a:r>
-              <a:rPr lang="zh-TW" altLang="en-US" smtClean="0"/>
-              <a:t>按一下以編輯母片標題樣式</a:t>
+              <a:rPr lang="en-US" altLang="zh-TW" smtClean="0"/>
+              <a:t>Click to edit Master title style</a:t>
             </a:r>
             <a:endParaRPr lang="zh-TW" altLang="en-US"/>
           </a:p>
@@ -1444,8 +1444,8 @@
         </p:nvSpPr>
         <p:spPr>
           <a:xfrm>
-            <a:off x="457200" y="1535113"/>
-            <a:ext cx="4040188" cy="639762"/>
+            <a:off x="457200" y="1151335"/>
+            <a:ext cx="4040188" cy="479822"/>
           </a:xfrm>
         </p:spPr>
         <p:txBody>
@@ -1491,8 +1491,8 @@
           <a:p>
             <a:pPr lvl="0"/>
             <a:r>
-              <a:rPr lang="zh-TW" altLang="en-US" smtClean="0"/>
-              <a:t>按一下以編輯母片文字樣式</a:t>
+              <a:rPr lang="en-US" altLang="zh-TW" smtClean="0"/>
+              <a:t>Click to edit Master text styles</a:t>
             </a:r>
           </a:p>
         </p:txBody>
@@ -1509,8 +1509,8 @@
         </p:nvSpPr>
         <p:spPr>
           <a:xfrm>
-            <a:off x="457200" y="2174875"/>
-            <a:ext cx="4040188" cy="3951288"/>
+            <a:off x="457200" y="1631156"/>
+            <a:ext cx="4040188" cy="2963466"/>
           </a:xfrm>
         </p:spPr>
         <p:txBody>
@@ -1547,36 +1547,36 @@
           <a:p>
             <a:pPr lvl="0"/>
             <a:r>
-              <a:rPr lang="zh-TW" altLang="en-US" smtClean="0"/>
-              <a:t>按一下以編輯母片文字樣式</a:t>
+              <a:rPr lang="en-US" altLang="zh-TW" smtClean="0"/>
+              <a:t>Click to edit Master text styles</a:t>
             </a:r>
           </a:p>
           <a:p>
             <a:pPr lvl="1"/>
             <a:r>
-              <a:rPr lang="zh-TW" altLang="en-US" smtClean="0"/>
-              <a:t>第二層</a:t>
+              <a:rPr lang="en-US" altLang="zh-TW" smtClean="0"/>
+              <a:t>Second level</a:t>
             </a:r>
           </a:p>
           <a:p>
             <a:pPr lvl="2"/>
             <a:r>
-              <a:rPr lang="zh-TW" altLang="en-US" smtClean="0"/>
-              <a:t>第三層</a:t>
+              <a:rPr lang="en-US" altLang="zh-TW" smtClean="0"/>
+              <a:t>Third level</a:t>
             </a:r>
           </a:p>
           <a:p>
             <a:pPr lvl="3"/>
             <a:r>
-              <a:rPr lang="zh-TW" altLang="en-US" smtClean="0"/>
-              <a:t>第四層</a:t>
+              <a:rPr lang="en-US" altLang="zh-TW" smtClean="0"/>
+              <a:t>Fourth level</a:t>
             </a:r>
           </a:p>
           <a:p>
             <a:pPr lvl="4"/>
             <a:r>
-              <a:rPr lang="zh-TW" altLang="en-US" smtClean="0"/>
-              <a:t>第五層</a:t>
+              <a:rPr lang="en-US" altLang="zh-TW" smtClean="0"/>
+              <a:t>Fifth level</a:t>
             </a:r>
             <a:endParaRPr lang="zh-TW" altLang="en-US"/>
           </a:p>
@@ -1594,8 +1594,8 @@
         </p:nvSpPr>
         <p:spPr>
           <a:xfrm>
-            <a:off x="4645025" y="1535113"/>
-            <a:ext cx="4041775" cy="639762"/>
+            <a:off x="4645026" y="1151335"/>
+            <a:ext cx="4041775" cy="479822"/>
           </a:xfrm>
         </p:spPr>
         <p:txBody>
@@ -1641,8 +1641,8 @@
           <a:p>
             <a:pPr lvl="0"/>
             <a:r>
-              <a:rPr lang="zh-TW" altLang="en-US" smtClean="0"/>
-              <a:t>按一下以編輯母片文字樣式</a:t>
+              <a:rPr lang="en-US" altLang="zh-TW" smtClean="0"/>
+              <a:t>Click to edit Master text styles</a:t>
             </a:r>
           </a:p>
         </p:txBody>
@@ -1659,8 +1659,8 @@
         </p:nvSpPr>
         <p:spPr>
           <a:xfrm>
-            <a:off x="4645025" y="2174875"/>
-            <a:ext cx="4041775" cy="3951288"/>
+            <a:off x="4645026" y="1631156"/>
+            <a:ext cx="4041775" cy="2963466"/>
           </a:xfrm>
         </p:spPr>
         <p:txBody>
@@ -1697,36 +1697,36 @@
           <a:p>
             <a:pPr lvl="0"/>
             <a:r>
-              <a:rPr lang="zh-TW" altLang="en-US" smtClean="0"/>
-              <a:t>按一下以編輯母片文字樣式</a:t>
+              <a:rPr lang="en-US" altLang="zh-TW" smtClean="0"/>
+              <a:t>Click to edit Master text styles</a:t>
             </a:r>
           </a:p>
           <a:p>
             <a:pPr lvl="1"/>
             <a:r>
-              <a:rPr lang="zh-TW" altLang="en-US" smtClean="0"/>
-              <a:t>第二層</a:t>
+              <a:rPr lang="en-US" altLang="zh-TW" smtClean="0"/>
+              <a:t>Second level</a:t>
             </a:r>
           </a:p>
           <a:p>
             <a:pPr lvl="2"/>
             <a:r>
-              <a:rPr lang="zh-TW" altLang="en-US" smtClean="0"/>
-              <a:t>第三層</a:t>
+              <a:rPr lang="en-US" altLang="zh-TW" smtClean="0"/>
+              <a:t>Third level</a:t>
             </a:r>
           </a:p>
           <a:p>
             <a:pPr lvl="3"/>
             <a:r>
-              <a:rPr lang="zh-TW" altLang="en-US" smtClean="0"/>
-              <a:t>第四層</a:t>
+              <a:rPr lang="en-US" altLang="zh-TW" smtClean="0"/>
+              <a:t>Fourth level</a:t>
             </a:r>
           </a:p>
           <a:p>
             <a:pPr lvl="4"/>
             <a:r>
-              <a:rPr lang="zh-TW" altLang="en-US" smtClean="0"/>
-              <a:t>第五層</a:t>
+              <a:rPr lang="en-US" altLang="zh-TW" smtClean="0"/>
+              <a:t>Fifth level</a:t>
             </a:r>
             <a:endParaRPr lang="zh-TW" altLang="en-US"/>
           </a:p>
@@ -1750,7 +1750,7 @@
             <a:fld id="{4E1EB9D4-5A2D-4F2A-8FB8-D7EA6433C080}" type="datetimeFigureOut">
               <a:rPr lang="en-US" smtClean="0"/>
               <a:pPr/>
-              <a:t>2/9/2019</a:t>
+              <a:t>10/12/2019</a:t>
             </a:fld>
             <a:endParaRPr lang="en-US"/>
           </a:p>
@@ -1840,8 +1840,8 @@
           <a:lstStyle/>
           <a:p>
             <a:r>
-              <a:rPr lang="zh-TW" altLang="en-US" smtClean="0"/>
-              <a:t>按一下以編輯母片標題樣式</a:t>
+              <a:rPr lang="en-US" altLang="zh-TW" smtClean="0"/>
+              <a:t>Click to edit Master title style</a:t>
             </a:r>
             <a:endParaRPr lang="zh-TW" altLang="en-US"/>
           </a:p>
@@ -1865,7 +1865,7 @@
             <a:fld id="{4E1EB9D4-5A2D-4F2A-8FB8-D7EA6433C080}" type="datetimeFigureOut">
               <a:rPr lang="en-US" smtClean="0"/>
               <a:pPr/>
-              <a:t>2/9/2019</a:t>
+              <a:t>10/12/2019</a:t>
             </a:fld>
             <a:endParaRPr lang="en-US"/>
           </a:p>
@@ -1957,7 +1957,7 @@
             <a:fld id="{4E1EB9D4-5A2D-4F2A-8FB8-D7EA6433C080}" type="datetimeFigureOut">
               <a:rPr lang="en-US" smtClean="0"/>
               <a:pPr/>
-              <a:t>2/9/2019</a:t>
+              <a:t>10/12/2019</a:t>
             </a:fld>
             <a:endParaRPr lang="en-US"/>
           </a:p>
@@ -2043,8 +2043,8 @@
         </p:nvSpPr>
         <p:spPr>
           <a:xfrm>
-            <a:off x="457200" y="273050"/>
-            <a:ext cx="3008313" cy="1162050"/>
+            <a:off x="457201" y="204787"/>
+            <a:ext cx="3008313" cy="871538"/>
           </a:xfrm>
         </p:spPr>
         <p:txBody>
@@ -2056,8 +2056,8 @@
           </a:lstStyle>
           <a:p>
             <a:r>
-              <a:rPr lang="zh-TW" altLang="en-US" smtClean="0"/>
-              <a:t>按一下以編輯母片標題樣式</a:t>
+              <a:rPr lang="en-US" altLang="zh-TW" smtClean="0"/>
+              <a:t>Click to edit Master title style</a:t>
             </a:r>
             <a:endParaRPr lang="zh-TW" altLang="en-US"/>
           </a:p>
@@ -2075,8 +2075,8 @@
         </p:nvSpPr>
         <p:spPr>
           <a:xfrm>
-            <a:off x="3575050" y="273050"/>
-            <a:ext cx="5111750" cy="5853113"/>
+            <a:off x="3575050" y="204788"/>
+            <a:ext cx="5111750" cy="4389835"/>
           </a:xfrm>
         </p:spPr>
         <p:txBody>
@@ -2113,36 +2113,36 @@
           <a:p>
             <a:pPr lvl="0"/>
             <a:r>
-              <a:rPr lang="zh-TW" altLang="en-US" smtClean="0"/>
-              <a:t>按一下以編輯母片文字樣式</a:t>
+              <a:rPr lang="en-US" altLang="zh-TW" smtClean="0"/>
+              <a:t>Click to edit Master text styles</a:t>
             </a:r>
           </a:p>
           <a:p>
             <a:pPr lvl="1"/>
             <a:r>
-              <a:rPr lang="zh-TW" altLang="en-US" smtClean="0"/>
-              <a:t>第二層</a:t>
+              <a:rPr lang="en-US" altLang="zh-TW" smtClean="0"/>
+              <a:t>Second level</a:t>
             </a:r>
           </a:p>
           <a:p>
             <a:pPr lvl="2"/>
             <a:r>
-              <a:rPr lang="zh-TW" altLang="en-US" smtClean="0"/>
-              <a:t>第三層</a:t>
+              <a:rPr lang="en-US" altLang="zh-TW" smtClean="0"/>
+              <a:t>Third level</a:t>
             </a:r>
           </a:p>
           <a:p>
             <a:pPr lvl="3"/>
             <a:r>
-              <a:rPr lang="zh-TW" altLang="en-US" smtClean="0"/>
-              <a:t>第四層</a:t>
+              <a:rPr lang="en-US" altLang="zh-TW" smtClean="0"/>
+              <a:t>Fourth level</a:t>
             </a:r>
           </a:p>
           <a:p>
             <a:pPr lvl="4"/>
             <a:r>
-              <a:rPr lang="zh-TW" altLang="en-US" smtClean="0"/>
-              <a:t>第五層</a:t>
+              <a:rPr lang="en-US" altLang="zh-TW" smtClean="0"/>
+              <a:t>Fifth level</a:t>
             </a:r>
             <a:endParaRPr lang="zh-TW" altLang="en-US"/>
           </a:p>
@@ -2160,8 +2160,8 @@
         </p:nvSpPr>
         <p:spPr>
           <a:xfrm>
-            <a:off x="457200" y="1435100"/>
-            <a:ext cx="3008313" cy="4691063"/>
+            <a:off x="457201" y="1076326"/>
+            <a:ext cx="3008313" cy="3518297"/>
           </a:xfrm>
         </p:spPr>
         <p:txBody>
@@ -2207,8 +2207,8 @@
           <a:p>
             <a:pPr lvl="0"/>
             <a:r>
-              <a:rPr lang="zh-TW" altLang="en-US" smtClean="0"/>
-              <a:t>按一下以編輯母片文字樣式</a:t>
+              <a:rPr lang="en-US" altLang="zh-TW" smtClean="0"/>
+              <a:t>Click to edit Master text styles</a:t>
             </a:r>
           </a:p>
         </p:txBody>
@@ -2231,7 +2231,7 @@
             <a:fld id="{4E1EB9D4-5A2D-4F2A-8FB8-D7EA6433C080}" type="datetimeFigureOut">
               <a:rPr lang="en-US" smtClean="0"/>
               <a:pPr/>
-              <a:t>2/9/2019</a:t>
+              <a:t>10/12/2019</a:t>
             </a:fld>
             <a:endParaRPr lang="en-US"/>
           </a:p>
@@ -2317,8 +2317,8 @@
         </p:nvSpPr>
         <p:spPr>
           <a:xfrm>
-            <a:off x="1792288" y="4800600"/>
-            <a:ext cx="5486400" cy="566738"/>
+            <a:off x="1792288" y="3600450"/>
+            <a:ext cx="5486400" cy="425054"/>
           </a:xfrm>
         </p:spPr>
         <p:txBody>
@@ -2330,8 +2330,8 @@
           </a:lstStyle>
           <a:p>
             <a:r>
-              <a:rPr lang="zh-TW" altLang="en-US" smtClean="0"/>
-              <a:t>按一下以編輯母片標題樣式</a:t>
+              <a:rPr lang="en-US" altLang="zh-TW" smtClean="0"/>
+              <a:t>Click to edit Master title style</a:t>
             </a:r>
             <a:endParaRPr lang="zh-TW" altLang="en-US"/>
           </a:p>
@@ -2349,8 +2349,8 @@
         </p:nvSpPr>
         <p:spPr>
           <a:xfrm>
-            <a:off x="1792288" y="612775"/>
-            <a:ext cx="5486400" cy="4114800"/>
+            <a:off x="1792288" y="459581"/>
+            <a:ext cx="5486400" cy="3086100"/>
           </a:xfrm>
         </p:spPr>
         <p:txBody>
@@ -2395,8 +2395,8 @@
           </a:lstStyle>
           <a:p>
             <a:r>
-              <a:rPr lang="zh-TW" altLang="en-US" smtClean="0"/>
-              <a:t>按一下圖示以新增圖片</a:t>
+              <a:rPr lang="en-US" altLang="zh-TW" smtClean="0"/>
+              <a:t>Click icon to add picture</a:t>
             </a:r>
             <a:endParaRPr lang="zh-TW" altLang="en-US"/>
           </a:p>
@@ -2414,8 +2414,8 @@
         </p:nvSpPr>
         <p:spPr>
           <a:xfrm>
-            <a:off x="1792288" y="5367338"/>
-            <a:ext cx="5486400" cy="804862"/>
+            <a:off x="1792288" y="4025503"/>
+            <a:ext cx="5486400" cy="603647"/>
           </a:xfrm>
         </p:spPr>
         <p:txBody>
@@ -2461,8 +2461,8 @@
           <a:p>
             <a:pPr lvl="0"/>
             <a:r>
-              <a:rPr lang="zh-TW" altLang="en-US" smtClean="0"/>
-              <a:t>按一下以編輯母片文字樣式</a:t>
+              <a:rPr lang="en-US" altLang="zh-TW" smtClean="0"/>
+              <a:t>Click to edit Master text styles</a:t>
             </a:r>
           </a:p>
         </p:txBody>
@@ -2485,7 +2485,7 @@
             <a:fld id="{4E1EB9D4-5A2D-4F2A-8FB8-D7EA6433C080}" type="datetimeFigureOut">
               <a:rPr lang="en-US" smtClean="0"/>
               <a:pPr/>
-              <a:t>2/9/2019</a:t>
+              <a:t>10/12/2019</a:t>
             </a:fld>
             <a:endParaRPr lang="en-US"/>
           </a:p>
@@ -2581,8 +2581,8 @@
         </p:nvSpPr>
         <p:spPr>
           <a:xfrm>
-            <a:off x="457200" y="274638"/>
-            <a:ext cx="8229600" cy="1143000"/>
+            <a:off x="457200" y="205979"/>
+            <a:ext cx="8229600" cy="857250"/>
           </a:xfrm>
           <a:prstGeom prst="rect">
             <a:avLst/>
@@ -2614,8 +2614,8 @@
         </p:nvSpPr>
         <p:spPr>
           <a:xfrm>
-            <a:off x="457200" y="1600200"/>
-            <a:ext cx="8229600" cy="4525963"/>
+            <a:off x="457200" y="1200151"/>
+            <a:ext cx="8229600" cy="3394472"/>
           </a:xfrm>
           <a:prstGeom prst="rect">
             <a:avLst/>
@@ -2676,8 +2676,8 @@
         </p:nvSpPr>
         <p:spPr>
           <a:xfrm>
-            <a:off x="457200" y="6356350"/>
-            <a:ext cx="2133600" cy="365125"/>
+            <a:off x="457200" y="4767263"/>
+            <a:ext cx="2133600" cy="273844"/>
           </a:xfrm>
           <a:prstGeom prst="rect">
             <a:avLst/>
@@ -2700,7 +2700,7 @@
             <a:fld id="{4E1EB9D4-5A2D-4F2A-8FB8-D7EA6433C080}" type="datetimeFigureOut">
               <a:rPr lang="en-US" smtClean="0"/>
               <a:pPr/>
-              <a:t>2/9/2019</a:t>
+              <a:t>10/12/2019</a:t>
             </a:fld>
             <a:endParaRPr lang="en-US"/>
           </a:p>
@@ -2718,8 +2718,8 @@
         </p:nvSpPr>
         <p:spPr>
           <a:xfrm>
-            <a:off x="3124200" y="6356350"/>
-            <a:ext cx="2895600" cy="365125"/>
+            <a:off x="3124200" y="4767263"/>
+            <a:ext cx="2895600" cy="273844"/>
           </a:xfrm>
           <a:prstGeom prst="rect">
             <a:avLst/>
@@ -2755,8 +2755,8 @@
         </p:nvSpPr>
         <p:spPr>
           <a:xfrm>
-            <a:off x="6553200" y="6356350"/>
-            <a:ext cx="2133600" cy="365125"/>
+            <a:off x="6553200" y="4767263"/>
+            <a:ext cx="2133600" cy="273844"/>
           </a:xfrm>
           <a:prstGeom prst="rect">
             <a:avLst/>
@@ -2789,17 +2789,17 @@
   </p:cSld>
   <p:clrMap bg1="lt1" tx1="dk1" bg2="lt2" tx2="dk2" accent1="accent1" accent2="accent2" accent3="accent3" accent4="accent4" accent5="accent5" accent6="accent6" hlink="hlink" folHlink="folHlink"/>
   <p:sldLayoutIdLst>
-    <p:sldLayoutId id="2147483685" r:id="rId1"/>
-    <p:sldLayoutId id="2147483686" r:id="rId2"/>
-    <p:sldLayoutId id="2147483687" r:id="rId3"/>
-    <p:sldLayoutId id="2147483688" r:id="rId4"/>
-    <p:sldLayoutId id="2147483689" r:id="rId5"/>
-    <p:sldLayoutId id="2147483690" r:id="rId6"/>
-    <p:sldLayoutId id="2147483691" r:id="rId7"/>
-    <p:sldLayoutId id="2147483692" r:id="rId8"/>
-    <p:sldLayoutId id="2147483693" r:id="rId9"/>
-    <p:sldLayoutId id="2147483694" r:id="rId10"/>
-    <p:sldLayoutId id="2147483695" r:id="rId11"/>
+    <p:sldLayoutId id="2147483697" r:id="rId1"/>
+    <p:sldLayoutId id="2147483698" r:id="rId2"/>
+    <p:sldLayoutId id="2147483699" r:id="rId3"/>
+    <p:sldLayoutId id="2147483700" r:id="rId4"/>
+    <p:sldLayoutId id="2147483701" r:id="rId5"/>
+    <p:sldLayoutId id="2147483702" r:id="rId6"/>
+    <p:sldLayoutId id="2147483703" r:id="rId7"/>
+    <p:sldLayoutId id="2147483704" r:id="rId8"/>
+    <p:sldLayoutId id="2147483705" r:id="rId9"/>
+    <p:sldLayoutId id="2147483706" r:id="rId10"/>
+    <p:sldLayoutId id="2147483707" r:id="rId11"/>
   </p:sldLayoutIdLst>
   <p:txStyles>
     <p:titleStyle>
@@ -3083,12 +3083,13 @@
         </p:nvSpPr>
         <p:spPr/>
         <p:txBody>
-          <a:bodyPr/>
-          <a:lstStyle/>
-          <a:p>
-            <a:pPr algn="l"/>
-            <a:r>
-              <a:rPr lang="zh-TW" altLang="en-US" b="1" dirty="0" smtClean="0">
+          <a:bodyPr>
+            <a:normAutofit/>
+          </a:bodyPr>
+          <a:lstStyle/>
+          <a:p>
+            <a:r>
+              <a:rPr lang="zh-TW" altLang="en-US" sz="4000" b="1" dirty="0" smtClean="0">
                 <a:solidFill>
                   <a:srgbClr val="000066"/>
                 </a:solidFill>
@@ -3097,7 +3098,7 @@
               </a:rPr>
               <a:t>耶和華是愛</a:t>
             </a:r>
-            <a:endParaRPr lang="en-US" b="1" dirty="0">
+            <a:endParaRPr lang="en-US" sz="4000" b="1" dirty="0">
               <a:solidFill>
                 <a:srgbClr val="000066"/>
               </a:solidFill>
@@ -3120,7 +3121,7 @@
         <p:spPr/>
         <p:txBody>
           <a:bodyPr>
-            <a:normAutofit/>
+            <a:noAutofit/>
           </a:bodyPr>
           <a:lstStyle/>
           <a:p>
@@ -3129,7 +3130,7 @@
               <a:defRPr/>
             </a:pPr>
             <a:r>
-              <a:rPr lang="zh-TW" altLang="en-US" sz="5400" b="1" spc="50" dirty="0" smtClean="0">
+              <a:rPr lang="zh-TW" altLang="en-US" sz="4800" b="1" spc="50" dirty="0" smtClean="0">
                 <a:ln w="11430"/>
                 <a:solidFill>
                   <a:srgbClr val="000066"/>
@@ -3139,7 +3140,7 @@
               </a:rPr>
               <a:t>耶和華是愛</a:t>
             </a:r>
-            <a:endParaRPr lang="en-US" altLang="zh-TW" sz="5400" b="1" spc="50" dirty="0" smtClean="0">
+            <a:endParaRPr lang="en-US" altLang="zh-TW" sz="4800" b="1" spc="50" dirty="0" smtClean="0">
               <a:ln w="11430"/>
               <a:solidFill>
                 <a:srgbClr val="000066"/>
@@ -3154,7 +3155,7 @@
               <a:defRPr/>
             </a:pPr>
             <a:r>
-              <a:rPr lang="zh-TW" altLang="en-US" sz="5400" b="1" spc="50" dirty="0" smtClean="0">
+              <a:rPr lang="zh-TW" altLang="en-US" sz="4800" b="1" spc="50" dirty="0" smtClean="0">
                 <a:ln w="11430"/>
                 <a:solidFill>
                   <a:srgbClr val="000066"/>
@@ -3164,7 +3165,7 @@
               </a:rPr>
               <a:t>讓我安歇青草溪水邊</a:t>
             </a:r>
-            <a:endParaRPr lang="en-US" altLang="zh-TW" sz="5400" b="1" spc="50" dirty="0" smtClean="0">
+            <a:endParaRPr lang="en-US" altLang="zh-TW" sz="4800" b="1" spc="50" dirty="0" smtClean="0">
               <a:ln w="11430"/>
               <a:solidFill>
                 <a:srgbClr val="000066"/>
@@ -3179,7 +3180,7 @@
               <a:defRPr/>
             </a:pPr>
             <a:r>
-              <a:rPr lang="zh-TW" altLang="en-US" sz="5400" b="1" spc="50" dirty="0" smtClean="0">
+              <a:rPr lang="zh-TW" altLang="en-US" sz="4800" b="1" spc="50" dirty="0" smtClean="0">
                 <a:ln w="11430"/>
                 <a:solidFill>
                   <a:srgbClr val="000066"/>
@@ -3189,7 +3190,7 @@
               </a:rPr>
               <a:t>神令我省察心中的幽暗</a:t>
             </a:r>
-            <a:endParaRPr lang="en-US" altLang="zh-TW" sz="5400" b="1" spc="50" dirty="0" smtClean="0">
+            <a:endParaRPr lang="en-US" altLang="zh-TW" sz="4800" b="1" spc="50" dirty="0" smtClean="0">
               <a:ln w="11430"/>
               <a:solidFill>
                 <a:srgbClr val="000066"/>
@@ -3204,7 +3205,7 @@
               <a:defRPr/>
             </a:pPr>
             <a:r>
-              <a:rPr lang="zh-TW" altLang="en-US" sz="5400" b="1" spc="50" dirty="0" smtClean="0">
+              <a:rPr lang="zh-TW" altLang="en-US" sz="4800" b="1" spc="50" dirty="0" smtClean="0">
                 <a:ln w="11430"/>
                 <a:solidFill>
                   <a:srgbClr val="000066"/>
@@ -3215,7 +3216,7 @@
               <a:t>共</a:t>
             </a:r>
             <a:r>
-              <a:rPr lang="zh-CN" altLang="en-US" sz="5400" b="1" spc="50" dirty="0" smtClean="0">
+              <a:rPr lang="zh-CN" altLang="en-US" sz="4800" b="1" spc="50" dirty="0" smtClean="0">
                 <a:ln w="11430"/>
                 <a:solidFill>
                   <a:srgbClr val="000066"/>
@@ -3226,7 +3227,7 @@
               <a:t>同</a:t>
             </a:r>
             <a:r>
-              <a:rPr lang="zh-TW" altLang="en-US" sz="5400" b="1" spc="50" dirty="0" smtClean="0">
+              <a:rPr lang="zh-TW" altLang="en-US" sz="4800" b="1" spc="50" dirty="0" smtClean="0">
                 <a:ln w="11430"/>
                 <a:solidFill>
                   <a:srgbClr val="000066"/>
@@ -3288,9 +3289,8 @@
           </a:bodyPr>
           <a:lstStyle/>
           <a:p>
-            <a:pPr algn="l"/>
-            <a:r>
-              <a:rPr lang="zh-TW" altLang="en-US" b="1" dirty="0" smtClean="0">
+            <a:r>
+              <a:rPr lang="zh-TW" altLang="en-US" sz="4000" b="1" dirty="0">
                 <a:solidFill>
                   <a:srgbClr val="000066"/>
                 </a:solidFill>
@@ -3299,7 +3299,7 @@
               </a:rPr>
               <a:t>耶和華是愛</a:t>
             </a:r>
-            <a:endParaRPr lang="en-US" altLang="en-US" b="1" dirty="0">
+            <a:endParaRPr lang="en-US" altLang="en-US" sz="4000" b="1" dirty="0">
               <a:solidFill>
                 <a:srgbClr val="000066"/>
               </a:solidFill>
@@ -3322,7 +3322,7 @@
         <p:spPr/>
         <p:txBody>
           <a:bodyPr>
-            <a:normAutofit/>
+            <a:noAutofit/>
           </a:bodyPr>
           <a:lstStyle/>
           <a:p>
@@ -3331,7 +3331,7 @@
               <a:defRPr/>
             </a:pPr>
             <a:r>
-              <a:rPr lang="zh-TW" altLang="en-US" sz="5400" b="1" spc="50" dirty="0" smtClean="0">
+              <a:rPr lang="zh-TW" altLang="en-US" sz="4800" b="1" spc="50" dirty="0">
                 <a:ln w="11430"/>
                 <a:solidFill>
                   <a:srgbClr val="000066"/>
@@ -3341,7 +3341,7 @@
               </a:rPr>
               <a:t>耶和華是愛</a:t>
             </a:r>
-            <a:endParaRPr lang="en-US" altLang="zh-TW" sz="5400" b="1" spc="50" dirty="0" smtClean="0">
+            <a:endParaRPr lang="en-US" altLang="zh-TW" sz="4800" b="1" spc="50" dirty="0">
               <a:ln w="11430"/>
               <a:solidFill>
                 <a:srgbClr val="000066"/>
@@ -3356,7 +3356,7 @@
               <a:defRPr/>
             </a:pPr>
             <a:r>
-              <a:rPr lang="zh-TW" altLang="en-US" sz="5400" b="1" spc="50" dirty="0" smtClean="0">
+              <a:rPr lang="zh-TW" altLang="en-US" sz="4800" b="1" spc="50" dirty="0">
                 <a:ln w="11430"/>
                 <a:solidFill>
                   <a:srgbClr val="000066"/>
@@ -3367,7 +3367,7 @@
               <a:t>在困境中祂保守引</a:t>
             </a:r>
             <a:r>
-              <a:rPr lang="zh-CN" altLang="en-US" sz="5400" b="1" spc="50" dirty="0" smtClean="0">
+              <a:rPr lang="zh-CN" altLang="en-US" sz="4800" b="1" spc="50" dirty="0">
                 <a:ln w="11430"/>
                 <a:solidFill>
                   <a:srgbClr val="000066"/>
@@ -3377,7 +3377,7 @@
               </a:rPr>
               <a:t>牽</a:t>
             </a:r>
-            <a:endParaRPr lang="en-US" altLang="zh-TW" sz="5400" b="1" spc="50" dirty="0" smtClean="0">
+            <a:endParaRPr lang="en-US" altLang="zh-TW" sz="4800" b="1" spc="50" dirty="0">
               <a:ln w="11430"/>
               <a:solidFill>
                 <a:srgbClr val="000066"/>
@@ -3392,7 +3392,7 @@
               <a:defRPr/>
             </a:pPr>
             <a:r>
-              <a:rPr lang="zh-TW" altLang="en-US" sz="5400" b="1" spc="50" dirty="0" smtClean="0">
+              <a:rPr lang="zh-TW" altLang="en-US" sz="4800" b="1" spc="50" dirty="0">
                 <a:ln w="11430"/>
                 <a:solidFill>
                   <a:srgbClr val="000066"/>
@@ -3403,7 +3403,7 @@
               <a:t>神為我擺設</a:t>
             </a:r>
             <a:r>
-              <a:rPr lang="zh-CN" altLang="en-US" sz="5400" b="1" spc="50" dirty="0" smtClean="0">
+              <a:rPr lang="zh-CN" altLang="en-US" sz="4800" b="1" spc="50" dirty="0">
                 <a:ln w="11430"/>
                 <a:solidFill>
                   <a:srgbClr val="000066"/>
@@ -3413,7 +3413,7 @@
               </a:rPr>
               <a:t>豐足的恩惠</a:t>
             </a:r>
-            <a:endParaRPr lang="en-US" altLang="zh-TW" sz="5400" b="1" spc="50" dirty="0" smtClean="0">
+            <a:endParaRPr lang="en-US" altLang="zh-TW" sz="4800" b="1" spc="50" dirty="0">
               <a:ln w="11430"/>
               <a:solidFill>
                 <a:srgbClr val="000066"/>
@@ -3428,7 +3428,7 @@
               <a:defRPr/>
             </a:pPr>
             <a:r>
-              <a:rPr lang="zh-TW" altLang="en-US" sz="5400" b="1" spc="50" dirty="0" smtClean="0">
+              <a:rPr lang="zh-TW" altLang="en-US" sz="4800" b="1" spc="50" dirty="0">
                 <a:ln w="11430"/>
                 <a:solidFill>
                   <a:srgbClr val="000066"/>
@@ -3438,7 +3438,7 @@
               </a:rPr>
               <a:t>在危難也不改變</a:t>
             </a:r>
-            <a:endParaRPr lang="zh-TW" altLang="en-US" sz="5400" b="1" spc="50" dirty="0">
+            <a:endParaRPr lang="zh-TW" altLang="en-US" sz="4800" b="1" spc="50" dirty="0">
               <a:ln w="11430"/>
               <a:solidFill>
                 <a:srgbClr val="000066"/>
@@ -3498,9 +3498,8 @@
           </a:bodyPr>
           <a:lstStyle/>
           <a:p>
-            <a:pPr algn="l"/>
-            <a:r>
-              <a:rPr lang="zh-TW" altLang="en-US" b="1" dirty="0" smtClean="0">
+            <a:r>
+              <a:rPr lang="zh-TW" altLang="en-US" sz="4000" b="1" dirty="0">
                 <a:solidFill>
                   <a:srgbClr val="000066"/>
                 </a:solidFill>
@@ -3509,7 +3508,7 @@
               </a:rPr>
               <a:t>耶和華是愛</a:t>
             </a:r>
-            <a:endParaRPr lang="en-US" altLang="en-US" b="1" dirty="0">
+            <a:endParaRPr lang="en-US" altLang="en-US" sz="4000" b="1" dirty="0">
               <a:solidFill>
                 <a:srgbClr val="000066"/>
               </a:solidFill>
@@ -3532,7 +3531,7 @@
         <p:spPr/>
         <p:txBody>
           <a:bodyPr>
-            <a:normAutofit/>
+            <a:noAutofit/>
           </a:bodyPr>
           <a:lstStyle/>
           <a:p>
@@ -3541,7 +3540,7 @@
               <a:defRPr/>
             </a:pPr>
             <a:r>
-              <a:rPr lang="zh-TW" altLang="en-US" sz="5400" b="1" spc="50" dirty="0" smtClean="0">
+              <a:rPr lang="zh-TW" altLang="en-US" sz="4800" b="1" spc="50" dirty="0">
                 <a:ln w="11430"/>
                 <a:solidFill>
                   <a:srgbClr val="000066"/>
@@ -3551,7 +3550,7 @@
               </a:rPr>
               <a:t>在世間主恩與共</a:t>
             </a:r>
-            <a:endParaRPr lang="en-US" altLang="zh-TW" sz="5400" b="1" spc="50" dirty="0" smtClean="0">
+            <a:endParaRPr lang="en-US" altLang="zh-TW" sz="4800" b="1" spc="50" dirty="0">
               <a:ln w="11430"/>
               <a:solidFill>
                 <a:srgbClr val="000066"/>
@@ -3566,7 +3565,7 @@
               <a:defRPr/>
             </a:pPr>
             <a:r>
-              <a:rPr lang="zh-TW" altLang="en-US" sz="5400" b="1" spc="50" dirty="0" smtClean="0">
+              <a:rPr lang="zh-TW" altLang="en-US" sz="4800" b="1" spc="50" dirty="0">
                 <a:ln w="11430"/>
                 <a:solidFill>
                   <a:srgbClr val="000066"/>
@@ -3576,7 +3575,7 @@
               </a:rPr>
               <a:t>祂的愛存在常無盡</a:t>
             </a:r>
-            <a:endParaRPr lang="en-US" altLang="zh-TW" sz="5400" b="1" spc="50" dirty="0" smtClean="0">
+            <a:endParaRPr lang="en-US" altLang="zh-TW" sz="4800" b="1" spc="50" dirty="0">
               <a:ln w="11430"/>
               <a:solidFill>
                 <a:srgbClr val="000066"/>
@@ -3591,7 +3590,7 @@
               <a:defRPr/>
             </a:pPr>
             <a:r>
-              <a:rPr lang="zh-TW" altLang="en-US" sz="5400" b="1" spc="50" dirty="0" smtClean="0">
+              <a:rPr lang="zh-TW" altLang="en-US" sz="4800" b="1" spc="50" dirty="0">
                 <a:ln w="11430"/>
                 <a:solidFill>
                   <a:srgbClr val="000066"/>
@@ -3601,7 +3600,7 @@
               </a:rPr>
               <a:t>神為我施恩惠 保守勉勵</a:t>
             </a:r>
-            <a:endParaRPr lang="en-US" altLang="zh-TW" sz="5400" b="1" spc="50" dirty="0" smtClean="0">
+            <a:endParaRPr lang="en-US" altLang="zh-TW" sz="4800" b="1" spc="50" dirty="0">
               <a:ln w="11430"/>
               <a:solidFill>
                 <a:srgbClr val="000066"/>
@@ -3616,7 +3615,7 @@
               <a:defRPr/>
             </a:pPr>
             <a:r>
-              <a:rPr lang="zh-TW" altLang="en-US" sz="5400" b="1" spc="50" dirty="0" smtClean="0">
+              <a:rPr lang="zh-TW" altLang="en-US" sz="4800" b="1" spc="50" dirty="0">
                 <a:ln w="11430"/>
                 <a:solidFill>
                   <a:srgbClr val="000066"/>
@@ -3626,7 +3625,7 @@
               </a:rPr>
               <a:t>共同渡此世</a:t>
             </a:r>
-            <a:endParaRPr lang="zh-TW" altLang="en-US" sz="5400" b="1" spc="50" dirty="0">
+            <a:endParaRPr lang="zh-TW" altLang="en-US" sz="4800" b="1" spc="50" dirty="0">
               <a:ln w="11430"/>
               <a:solidFill>
                 <a:srgbClr val="000066"/>
@@ -3686,9 +3685,8 @@
           </a:bodyPr>
           <a:lstStyle/>
           <a:p>
-            <a:pPr algn="l"/>
-            <a:r>
-              <a:rPr lang="zh-TW" altLang="en-US" b="1" dirty="0" smtClean="0">
+            <a:r>
+              <a:rPr lang="zh-TW" altLang="en-US" sz="4000" b="1" dirty="0">
                 <a:solidFill>
                   <a:srgbClr val="000066"/>
                 </a:solidFill>
@@ -3697,7 +3695,7 @@
               </a:rPr>
               <a:t>耶和華是愛</a:t>
             </a:r>
-            <a:endParaRPr lang="en-US" altLang="en-US" b="1" dirty="0" smtClean="0">
+            <a:endParaRPr lang="en-US" altLang="en-US" sz="4000" b="1" dirty="0">
               <a:solidFill>
                 <a:srgbClr val="000066"/>
               </a:solidFill>
@@ -3720,7 +3718,7 @@
         <p:spPr/>
         <p:txBody>
           <a:bodyPr>
-            <a:normAutofit/>
+            <a:noAutofit/>
           </a:bodyPr>
           <a:lstStyle/>
           <a:p>
@@ -3729,7 +3727,7 @@
               <a:defRPr/>
             </a:pPr>
             <a:r>
-              <a:rPr lang="zh-TW" altLang="en-US" sz="5400" b="1" spc="50" dirty="0" smtClean="0">
+              <a:rPr lang="zh-TW" altLang="en-US" sz="4800" b="1" spc="50" dirty="0">
                 <a:ln w="11430"/>
                 <a:solidFill>
                   <a:srgbClr val="000066"/>
@@ -3739,7 +3737,7 @@
               </a:rPr>
               <a:t>耶和華是愛</a:t>
             </a:r>
-            <a:endParaRPr lang="en-US" altLang="zh-TW" sz="5400" b="1" spc="50" dirty="0" smtClean="0">
+            <a:endParaRPr lang="en-US" altLang="zh-TW" sz="4800" b="1" spc="50" dirty="0">
               <a:ln w="11430"/>
               <a:solidFill>
                 <a:srgbClr val="000066"/>
@@ -3754,7 +3752,7 @@
               <a:defRPr/>
             </a:pPr>
             <a:r>
-              <a:rPr lang="zh-TW" altLang="en-US" sz="5400" b="1" spc="50" dirty="0" smtClean="0">
+              <a:rPr lang="zh-TW" altLang="en-US" sz="4800" b="1" spc="50" dirty="0">
                 <a:ln w="11430"/>
                 <a:solidFill>
                   <a:srgbClr val="000066"/>
@@ -3764,7 +3762,7 @@
               </a:rPr>
               <a:t>讓我安身青草溪水邊</a:t>
             </a:r>
-            <a:endParaRPr lang="en-US" altLang="zh-TW" sz="5400" b="1" spc="50" dirty="0" smtClean="0">
+            <a:endParaRPr lang="en-US" altLang="zh-TW" sz="4800" b="1" spc="50" dirty="0">
               <a:ln w="11430"/>
               <a:solidFill>
                 <a:srgbClr val="000066"/>
@@ -3779,7 +3777,7 @@
               <a:defRPr/>
             </a:pPr>
             <a:r>
-              <a:rPr lang="zh-TW" altLang="en-US" sz="5400" b="1" spc="50" dirty="0" smtClean="0">
+              <a:rPr lang="zh-TW" altLang="en-US" sz="4800" b="1" spc="50" dirty="0">
                 <a:ln w="11430"/>
                 <a:solidFill>
                   <a:srgbClr val="000066"/>
@@ -3789,7 +3787,7 @@
               </a:rPr>
               <a:t>無限滿足快樂湧於心裡</a:t>
             </a:r>
-            <a:endParaRPr lang="en-US" altLang="zh-TW" sz="5400" b="1" spc="50" dirty="0" smtClean="0">
+            <a:endParaRPr lang="en-US" altLang="zh-TW" sz="4800" b="1" spc="50" dirty="0">
               <a:ln w="11430"/>
               <a:solidFill>
                 <a:srgbClr val="000066"/>
@@ -3804,7 +3802,7 @@
               <a:defRPr/>
             </a:pPr>
             <a:r>
-              <a:rPr lang="zh-TW" altLang="en-US" sz="5400" b="1" spc="50" dirty="0" smtClean="0">
+              <a:rPr lang="zh-TW" altLang="en-US" sz="4800" b="1" spc="50" dirty="0">
                 <a:ln w="11430"/>
                 <a:solidFill>
                   <a:srgbClr val="000066"/>
@@ -3814,7 +3812,7 @@
               </a:rPr>
               <a:t>在危難也不會變</a:t>
             </a:r>
-            <a:endParaRPr lang="en-US" altLang="zh-TW" sz="5400" b="1" spc="50" dirty="0" smtClean="0">
+            <a:endParaRPr lang="en-US" altLang="zh-TW" sz="4800" b="1" spc="50" dirty="0">
               <a:ln w="11430"/>
               <a:solidFill>
                 <a:srgbClr val="000066"/>
@@ -3841,7 +3839,7 @@
 </file>
 
 <file path=ppt/theme/theme1.xml><?xml version="1.0" encoding="utf-8"?>
-<a:theme xmlns:a="http://schemas.openxmlformats.org/drawingml/2006/main" name="佈景主題1">
+<a:theme xmlns:a="http://schemas.openxmlformats.org/drawingml/2006/main" name="Church Theme">
   <a:themeElements>
     <a:clrScheme name="Office">
       <a:dk1>

--- a/耶和華是愛.pptx
+++ b/耶和華是愛.pptx
@@ -1,14 +1,14 @@
 
 <file path=ppt/presentation.xml><?xml version="1.0" encoding="utf-8"?>
-<p:presentation xmlns:a="http://schemas.openxmlformats.org/drawingml/2006/main" xmlns:r="http://schemas.openxmlformats.org/officeDocument/2006/relationships" xmlns:p="http://schemas.openxmlformats.org/presentationml/2006/main" saveSubsetFonts="1">
+<p:presentation xmlns:a="http://schemas.openxmlformats.org/drawingml/2006/main" xmlns:r="http://schemas.openxmlformats.org/officeDocument/2006/relationships" xmlns:p="http://schemas.openxmlformats.org/presentationml/2006/main">
   <p:sldMasterIdLst>
-    <p:sldMasterId id="2147483696" r:id="rId1"/>
+    <p:sldMasterId id="2147483648" r:id="rId1"/>
   </p:sldMasterIdLst>
   <p:sldIdLst>
-    <p:sldId id="256" r:id="rId2"/>
-    <p:sldId id="257" r:id="rId3"/>
-    <p:sldId id="258" r:id="rId4"/>
-    <p:sldId id="259" r:id="rId5"/>
+    <p:sldId id="256" r:id="rId3"/>
+    <p:sldId id="257" r:id="rId4"/>
+    <p:sldId id="258" r:id="rId5"/>
+    <p:sldId id="259" r:id="rId6"/>
   </p:sldIdLst>
   <p:sldSz cx="9144000" cy="5143500" type="screen16x9"/>
   <p:notesSz cx="6858000" cy="9144000"/>
@@ -291,8 +291,6 @@
           <a:p>
             <a:fld id="{4E1EB9D4-5A2D-4F2A-8FB8-D7EA6433C080}" type="datetimeFigureOut">
               <a:rPr lang="en-US" smtClean="0"/>
-              <a:pPr/>
-              <a:t>10/12/2019</a:t>
             </a:fld>
             <a:endParaRPr lang="en-US"/>
           </a:p>
@@ -334,8 +332,6 @@
           <a:p>
             <a:fld id="{992F2953-5593-47B3-8420-B46C734FBC0C}" type="slidenum">
               <a:rPr lang="en-US" smtClean="0"/>
-              <a:pPr/>
-              <a:t>‹#›</a:t>
             </a:fld>
             <a:endParaRPr lang="en-US"/>
           </a:p>
@@ -409,6 +405,7 @@
               <a:rPr lang="en-US" altLang="zh-TW" smtClean="0"/>
               <a:t>Click to edit Master text styles</a:t>
             </a:r>
+            <a:endParaRPr lang="en-US" altLang="zh-TW" smtClean="0"/>
           </a:p>
           <a:p>
             <a:pPr lvl="1"/>
@@ -416,6 +413,7 @@
               <a:rPr lang="en-US" altLang="zh-TW" smtClean="0"/>
               <a:t>Second level</a:t>
             </a:r>
+            <a:endParaRPr lang="en-US" altLang="zh-TW" smtClean="0"/>
           </a:p>
           <a:p>
             <a:pPr lvl="2"/>
@@ -423,6 +421,7 @@
               <a:rPr lang="en-US" altLang="zh-TW" smtClean="0"/>
               <a:t>Third level</a:t>
             </a:r>
+            <a:endParaRPr lang="en-US" altLang="zh-TW" smtClean="0"/>
           </a:p>
           <a:p>
             <a:pPr lvl="3"/>
@@ -430,6 +429,7 @@
               <a:rPr lang="en-US" altLang="zh-TW" smtClean="0"/>
               <a:t>Fourth level</a:t>
             </a:r>
+            <a:endParaRPr lang="en-US" altLang="zh-TW" smtClean="0"/>
           </a:p>
           <a:p>
             <a:pPr lvl="4"/>
@@ -458,8 +458,6 @@
           <a:p>
             <a:fld id="{4E1EB9D4-5A2D-4F2A-8FB8-D7EA6433C080}" type="datetimeFigureOut">
               <a:rPr lang="en-US" smtClean="0"/>
-              <a:pPr/>
-              <a:t>10/12/2019</a:t>
             </a:fld>
             <a:endParaRPr lang="en-US"/>
           </a:p>
@@ -501,8 +499,6 @@
           <a:p>
             <a:fld id="{992F2953-5593-47B3-8420-B46C734FBC0C}" type="slidenum">
               <a:rPr lang="en-US" smtClean="0"/>
-              <a:pPr/>
-              <a:t>‹#›</a:t>
             </a:fld>
             <a:endParaRPr lang="en-US"/>
           </a:p>
@@ -586,6 +582,7 @@
               <a:rPr lang="en-US" altLang="zh-TW" smtClean="0"/>
               <a:t>Click to edit Master text styles</a:t>
             </a:r>
+            <a:endParaRPr lang="en-US" altLang="zh-TW" smtClean="0"/>
           </a:p>
           <a:p>
             <a:pPr lvl="1"/>
@@ -593,6 +590,7 @@
               <a:rPr lang="en-US" altLang="zh-TW" smtClean="0"/>
               <a:t>Second level</a:t>
             </a:r>
+            <a:endParaRPr lang="en-US" altLang="zh-TW" smtClean="0"/>
           </a:p>
           <a:p>
             <a:pPr lvl="2"/>
@@ -600,6 +598,7 @@
               <a:rPr lang="en-US" altLang="zh-TW" smtClean="0"/>
               <a:t>Third level</a:t>
             </a:r>
+            <a:endParaRPr lang="en-US" altLang="zh-TW" smtClean="0"/>
           </a:p>
           <a:p>
             <a:pPr lvl="3"/>
@@ -607,6 +606,7 @@
               <a:rPr lang="en-US" altLang="zh-TW" smtClean="0"/>
               <a:t>Fourth level</a:t>
             </a:r>
+            <a:endParaRPr lang="en-US" altLang="zh-TW" smtClean="0"/>
           </a:p>
           <a:p>
             <a:pPr lvl="4"/>
@@ -635,8 +635,6 @@
           <a:p>
             <a:fld id="{4E1EB9D4-5A2D-4F2A-8FB8-D7EA6433C080}" type="datetimeFigureOut">
               <a:rPr lang="en-US" smtClean="0"/>
-              <a:pPr/>
-              <a:t>10/12/2019</a:t>
             </a:fld>
             <a:endParaRPr lang="en-US"/>
           </a:p>
@@ -678,8 +676,6 @@
           <a:p>
             <a:fld id="{992F2953-5593-47B3-8420-B46C734FBC0C}" type="slidenum">
               <a:rPr lang="en-US" smtClean="0"/>
-              <a:pPr/>
-              <a:t>‹#›</a:t>
             </a:fld>
             <a:endParaRPr lang="en-US"/>
           </a:p>
@@ -753,6 +749,7 @@
               <a:rPr lang="en-US" altLang="zh-TW" smtClean="0"/>
               <a:t>Click to edit Master text styles</a:t>
             </a:r>
+            <a:endParaRPr lang="en-US" altLang="zh-TW" smtClean="0"/>
           </a:p>
           <a:p>
             <a:pPr lvl="1"/>
@@ -760,6 +757,7 @@
               <a:rPr lang="en-US" altLang="zh-TW" smtClean="0"/>
               <a:t>Second level</a:t>
             </a:r>
+            <a:endParaRPr lang="en-US" altLang="zh-TW" smtClean="0"/>
           </a:p>
           <a:p>
             <a:pPr lvl="2"/>
@@ -767,6 +765,7 @@
               <a:rPr lang="en-US" altLang="zh-TW" smtClean="0"/>
               <a:t>Third level</a:t>
             </a:r>
+            <a:endParaRPr lang="en-US" altLang="zh-TW" smtClean="0"/>
           </a:p>
           <a:p>
             <a:pPr lvl="3"/>
@@ -774,6 +773,7 @@
               <a:rPr lang="en-US" altLang="zh-TW" smtClean="0"/>
               <a:t>Fourth level</a:t>
             </a:r>
+            <a:endParaRPr lang="en-US" altLang="zh-TW" smtClean="0"/>
           </a:p>
           <a:p>
             <a:pPr lvl="4"/>
@@ -802,8 +802,6 @@
           <a:p>
             <a:fld id="{4E1EB9D4-5A2D-4F2A-8FB8-D7EA6433C080}" type="datetimeFigureOut">
               <a:rPr lang="en-US" smtClean="0"/>
-              <a:pPr/>
-              <a:t>10/12/2019</a:t>
             </a:fld>
             <a:endParaRPr lang="en-US"/>
           </a:p>
@@ -845,8 +843,6 @@
           <a:p>
             <a:fld id="{992F2953-5593-47B3-8420-B46C734FBC0C}" type="slidenum">
               <a:rPr lang="en-US" smtClean="0"/>
-              <a:pPr/>
-              <a:t>‹#›</a:t>
             </a:fld>
             <a:endParaRPr lang="en-US"/>
           </a:p>
@@ -1025,6 +1021,7 @@
               <a:rPr lang="en-US" altLang="zh-TW" smtClean="0"/>
               <a:t>Click to edit Master text styles</a:t>
             </a:r>
+            <a:endParaRPr lang="en-US" altLang="zh-TW" smtClean="0"/>
           </a:p>
         </p:txBody>
       </p:sp>
@@ -1045,8 +1042,6 @@
           <a:p>
             <a:fld id="{4E1EB9D4-5A2D-4F2A-8FB8-D7EA6433C080}" type="datetimeFigureOut">
               <a:rPr lang="en-US" smtClean="0"/>
-              <a:pPr/>
-              <a:t>10/12/2019</a:t>
             </a:fld>
             <a:endParaRPr lang="en-US"/>
           </a:p>
@@ -1088,8 +1083,6 @@
           <a:p>
             <a:fld id="{992F2953-5593-47B3-8420-B46C734FBC0C}" type="slidenum">
               <a:rPr lang="en-US" smtClean="0"/>
-              <a:pPr/>
-              <a:t>‹#›</a:t>
             </a:fld>
             <a:endParaRPr lang="en-US"/>
           </a:p>
@@ -1196,6 +1189,7 @@
               <a:rPr lang="en-US" altLang="zh-TW" smtClean="0"/>
               <a:t>Click to edit Master text styles</a:t>
             </a:r>
+            <a:endParaRPr lang="en-US" altLang="zh-TW" smtClean="0"/>
           </a:p>
           <a:p>
             <a:pPr lvl="1"/>
@@ -1203,6 +1197,7 @@
               <a:rPr lang="en-US" altLang="zh-TW" smtClean="0"/>
               <a:t>Second level</a:t>
             </a:r>
+            <a:endParaRPr lang="en-US" altLang="zh-TW" smtClean="0"/>
           </a:p>
           <a:p>
             <a:pPr lvl="2"/>
@@ -1210,6 +1205,7 @@
               <a:rPr lang="en-US" altLang="zh-TW" smtClean="0"/>
               <a:t>Third level</a:t>
             </a:r>
+            <a:endParaRPr lang="en-US" altLang="zh-TW" smtClean="0"/>
           </a:p>
           <a:p>
             <a:pPr lvl="3"/>
@@ -1217,6 +1213,7 @@
               <a:rPr lang="en-US" altLang="zh-TW" smtClean="0"/>
               <a:t>Fourth level</a:t>
             </a:r>
+            <a:endParaRPr lang="en-US" altLang="zh-TW" smtClean="0"/>
           </a:p>
           <a:p>
             <a:pPr lvl="4"/>
@@ -1281,6 +1278,7 @@
               <a:rPr lang="en-US" altLang="zh-TW" smtClean="0"/>
               <a:t>Click to edit Master text styles</a:t>
             </a:r>
+            <a:endParaRPr lang="en-US" altLang="zh-TW" smtClean="0"/>
           </a:p>
           <a:p>
             <a:pPr lvl="1"/>
@@ -1288,6 +1286,7 @@
               <a:rPr lang="en-US" altLang="zh-TW" smtClean="0"/>
               <a:t>Second level</a:t>
             </a:r>
+            <a:endParaRPr lang="en-US" altLang="zh-TW" smtClean="0"/>
           </a:p>
           <a:p>
             <a:pPr lvl="2"/>
@@ -1295,6 +1294,7 @@
               <a:rPr lang="en-US" altLang="zh-TW" smtClean="0"/>
               <a:t>Third level</a:t>
             </a:r>
+            <a:endParaRPr lang="en-US" altLang="zh-TW" smtClean="0"/>
           </a:p>
           <a:p>
             <a:pPr lvl="3"/>
@@ -1302,6 +1302,7 @@
               <a:rPr lang="en-US" altLang="zh-TW" smtClean="0"/>
               <a:t>Fourth level</a:t>
             </a:r>
+            <a:endParaRPr lang="en-US" altLang="zh-TW" smtClean="0"/>
           </a:p>
           <a:p>
             <a:pPr lvl="4"/>
@@ -1330,8 +1331,6 @@
           <a:p>
             <a:fld id="{4E1EB9D4-5A2D-4F2A-8FB8-D7EA6433C080}" type="datetimeFigureOut">
               <a:rPr lang="en-US" smtClean="0"/>
-              <a:pPr/>
-              <a:t>10/12/2019</a:t>
             </a:fld>
             <a:endParaRPr lang="en-US"/>
           </a:p>
@@ -1373,8 +1372,6 @@
           <a:p>
             <a:fld id="{992F2953-5593-47B3-8420-B46C734FBC0C}" type="slidenum">
               <a:rPr lang="en-US" smtClean="0"/>
-              <a:pPr/>
-              <a:t>‹#›</a:t>
             </a:fld>
             <a:endParaRPr lang="en-US"/>
           </a:p>
@@ -1494,6 +1491,7 @@
               <a:rPr lang="en-US" altLang="zh-TW" smtClean="0"/>
               <a:t>Click to edit Master text styles</a:t>
             </a:r>
+            <a:endParaRPr lang="en-US" altLang="zh-TW" smtClean="0"/>
           </a:p>
         </p:txBody>
       </p:sp>
@@ -1550,6 +1548,7 @@
               <a:rPr lang="en-US" altLang="zh-TW" smtClean="0"/>
               <a:t>Click to edit Master text styles</a:t>
             </a:r>
+            <a:endParaRPr lang="en-US" altLang="zh-TW" smtClean="0"/>
           </a:p>
           <a:p>
             <a:pPr lvl="1"/>
@@ -1557,6 +1556,7 @@
               <a:rPr lang="en-US" altLang="zh-TW" smtClean="0"/>
               <a:t>Second level</a:t>
             </a:r>
+            <a:endParaRPr lang="en-US" altLang="zh-TW" smtClean="0"/>
           </a:p>
           <a:p>
             <a:pPr lvl="2"/>
@@ -1564,6 +1564,7 @@
               <a:rPr lang="en-US" altLang="zh-TW" smtClean="0"/>
               <a:t>Third level</a:t>
             </a:r>
+            <a:endParaRPr lang="en-US" altLang="zh-TW" smtClean="0"/>
           </a:p>
           <a:p>
             <a:pPr lvl="3"/>
@@ -1571,6 +1572,7 @@
               <a:rPr lang="en-US" altLang="zh-TW" smtClean="0"/>
               <a:t>Fourth level</a:t>
             </a:r>
+            <a:endParaRPr lang="en-US" altLang="zh-TW" smtClean="0"/>
           </a:p>
           <a:p>
             <a:pPr lvl="4"/>
@@ -1644,6 +1646,7 @@
               <a:rPr lang="en-US" altLang="zh-TW" smtClean="0"/>
               <a:t>Click to edit Master text styles</a:t>
             </a:r>
+            <a:endParaRPr lang="en-US" altLang="zh-TW" smtClean="0"/>
           </a:p>
         </p:txBody>
       </p:sp>
@@ -1700,6 +1703,7 @@
               <a:rPr lang="en-US" altLang="zh-TW" smtClean="0"/>
               <a:t>Click to edit Master text styles</a:t>
             </a:r>
+            <a:endParaRPr lang="en-US" altLang="zh-TW" smtClean="0"/>
           </a:p>
           <a:p>
             <a:pPr lvl="1"/>
@@ -1707,6 +1711,7 @@
               <a:rPr lang="en-US" altLang="zh-TW" smtClean="0"/>
               <a:t>Second level</a:t>
             </a:r>
+            <a:endParaRPr lang="en-US" altLang="zh-TW" smtClean="0"/>
           </a:p>
           <a:p>
             <a:pPr lvl="2"/>
@@ -1714,6 +1719,7 @@
               <a:rPr lang="en-US" altLang="zh-TW" smtClean="0"/>
               <a:t>Third level</a:t>
             </a:r>
+            <a:endParaRPr lang="en-US" altLang="zh-TW" smtClean="0"/>
           </a:p>
           <a:p>
             <a:pPr lvl="3"/>
@@ -1721,6 +1727,7 @@
               <a:rPr lang="en-US" altLang="zh-TW" smtClean="0"/>
               <a:t>Fourth level</a:t>
             </a:r>
+            <a:endParaRPr lang="en-US" altLang="zh-TW" smtClean="0"/>
           </a:p>
           <a:p>
             <a:pPr lvl="4"/>
@@ -1749,8 +1756,6 @@
           <a:p>
             <a:fld id="{4E1EB9D4-5A2D-4F2A-8FB8-D7EA6433C080}" type="datetimeFigureOut">
               <a:rPr lang="en-US" smtClean="0"/>
-              <a:pPr/>
-              <a:t>10/12/2019</a:t>
             </a:fld>
             <a:endParaRPr lang="en-US"/>
           </a:p>
@@ -1792,8 +1797,6 @@
           <a:p>
             <a:fld id="{992F2953-5593-47B3-8420-B46C734FBC0C}" type="slidenum">
               <a:rPr lang="en-US" smtClean="0"/>
-              <a:pPr/>
-              <a:t>‹#›</a:t>
             </a:fld>
             <a:endParaRPr lang="en-US"/>
           </a:p>
@@ -1864,8 +1867,6 @@
           <a:p>
             <a:fld id="{4E1EB9D4-5A2D-4F2A-8FB8-D7EA6433C080}" type="datetimeFigureOut">
               <a:rPr lang="en-US" smtClean="0"/>
-              <a:pPr/>
-              <a:t>10/12/2019</a:t>
             </a:fld>
             <a:endParaRPr lang="en-US"/>
           </a:p>
@@ -1907,8 +1908,6 @@
           <a:p>
             <a:fld id="{992F2953-5593-47B3-8420-B46C734FBC0C}" type="slidenum">
               <a:rPr lang="en-US" smtClean="0"/>
-              <a:pPr/>
-              <a:t>‹#›</a:t>
             </a:fld>
             <a:endParaRPr lang="en-US"/>
           </a:p>
@@ -1956,8 +1955,6 @@
           <a:p>
             <a:fld id="{4E1EB9D4-5A2D-4F2A-8FB8-D7EA6433C080}" type="datetimeFigureOut">
               <a:rPr lang="en-US" smtClean="0"/>
-              <a:pPr/>
-              <a:t>10/12/2019</a:t>
             </a:fld>
             <a:endParaRPr lang="en-US"/>
           </a:p>
@@ -1999,8 +1996,6 @@
           <a:p>
             <a:fld id="{992F2953-5593-47B3-8420-B46C734FBC0C}" type="slidenum">
               <a:rPr lang="en-US" smtClean="0"/>
-              <a:pPr/>
-              <a:t>‹#›</a:t>
             </a:fld>
             <a:endParaRPr lang="en-US"/>
           </a:p>
@@ -2116,6 +2111,7 @@
               <a:rPr lang="en-US" altLang="zh-TW" smtClean="0"/>
               <a:t>Click to edit Master text styles</a:t>
             </a:r>
+            <a:endParaRPr lang="en-US" altLang="zh-TW" smtClean="0"/>
           </a:p>
           <a:p>
             <a:pPr lvl="1"/>
@@ -2123,6 +2119,7 @@
               <a:rPr lang="en-US" altLang="zh-TW" smtClean="0"/>
               <a:t>Second level</a:t>
             </a:r>
+            <a:endParaRPr lang="en-US" altLang="zh-TW" smtClean="0"/>
           </a:p>
           <a:p>
             <a:pPr lvl="2"/>
@@ -2130,6 +2127,7 @@
               <a:rPr lang="en-US" altLang="zh-TW" smtClean="0"/>
               <a:t>Third level</a:t>
             </a:r>
+            <a:endParaRPr lang="en-US" altLang="zh-TW" smtClean="0"/>
           </a:p>
           <a:p>
             <a:pPr lvl="3"/>
@@ -2137,6 +2135,7 @@
               <a:rPr lang="en-US" altLang="zh-TW" smtClean="0"/>
               <a:t>Fourth level</a:t>
             </a:r>
+            <a:endParaRPr lang="en-US" altLang="zh-TW" smtClean="0"/>
           </a:p>
           <a:p>
             <a:pPr lvl="4"/>
@@ -2210,6 +2209,7 @@
               <a:rPr lang="en-US" altLang="zh-TW" smtClean="0"/>
               <a:t>Click to edit Master text styles</a:t>
             </a:r>
+            <a:endParaRPr lang="en-US" altLang="zh-TW" smtClean="0"/>
           </a:p>
         </p:txBody>
       </p:sp>
@@ -2230,8 +2230,6 @@
           <a:p>
             <a:fld id="{4E1EB9D4-5A2D-4F2A-8FB8-D7EA6433C080}" type="datetimeFigureOut">
               <a:rPr lang="en-US" smtClean="0"/>
-              <a:pPr/>
-              <a:t>10/12/2019</a:t>
             </a:fld>
             <a:endParaRPr lang="en-US"/>
           </a:p>
@@ -2273,8 +2271,6 @@
           <a:p>
             <a:fld id="{992F2953-5593-47B3-8420-B46C734FBC0C}" type="slidenum">
               <a:rPr lang="en-US" smtClean="0"/>
-              <a:pPr/>
-              <a:t>‹#›</a:t>
             </a:fld>
             <a:endParaRPr lang="en-US"/>
           </a:p>
@@ -2464,6 +2460,7 @@
               <a:rPr lang="en-US" altLang="zh-TW" smtClean="0"/>
               <a:t>Click to edit Master text styles</a:t>
             </a:r>
+            <a:endParaRPr lang="en-US" altLang="zh-TW" smtClean="0"/>
           </a:p>
         </p:txBody>
       </p:sp>
@@ -2484,8 +2481,6 @@
           <a:p>
             <a:fld id="{4E1EB9D4-5A2D-4F2A-8FB8-D7EA6433C080}" type="datetimeFigureOut">
               <a:rPr lang="en-US" smtClean="0"/>
-              <a:pPr/>
-              <a:t>10/12/2019</a:t>
             </a:fld>
             <a:endParaRPr lang="en-US"/>
           </a:p>
@@ -2527,8 +2522,6 @@
           <a:p>
             <a:fld id="{992F2953-5593-47B3-8420-B46C734FBC0C}" type="slidenum">
               <a:rPr lang="en-US" smtClean="0"/>
-              <a:pPr/>
-              <a:t>‹#›</a:t>
             </a:fld>
             <a:endParaRPr lang="en-US"/>
           </a:p>
@@ -2548,7 +2541,7 @@
     <p:bg>
       <p:bgPr>
         <a:blipFill dpi="0" rotWithShape="1">
-          <a:blip r:embed="rId13"/>
+          <a:blip r:embed="rId12"/>
           <a:srcRect/>
           <a:tile tx="0" ty="0" sx="100000" sy="100000" flip="none" algn="tl"/>
         </a:blipFill>
@@ -2632,6 +2625,7 @@
               <a:rPr lang="zh-TW" altLang="en-US" smtClean="0"/>
               <a:t>按一下以編輯母片文字樣式</a:t>
             </a:r>
+            <a:endParaRPr lang="zh-TW" altLang="en-US" smtClean="0"/>
           </a:p>
           <a:p>
             <a:pPr lvl="1"/>
@@ -2639,6 +2633,7 @@
               <a:rPr lang="zh-TW" altLang="en-US" smtClean="0"/>
               <a:t>第二層</a:t>
             </a:r>
+            <a:endParaRPr lang="zh-TW" altLang="en-US" smtClean="0"/>
           </a:p>
           <a:p>
             <a:pPr lvl="2"/>
@@ -2646,6 +2641,7 @@
               <a:rPr lang="zh-TW" altLang="en-US" smtClean="0"/>
               <a:t>第三層</a:t>
             </a:r>
+            <a:endParaRPr lang="zh-TW" altLang="en-US" smtClean="0"/>
           </a:p>
           <a:p>
             <a:pPr lvl="3"/>
@@ -2653,6 +2649,7 @@
               <a:rPr lang="zh-TW" altLang="en-US" smtClean="0"/>
               <a:t>第四層</a:t>
             </a:r>
+            <a:endParaRPr lang="zh-TW" altLang="en-US" smtClean="0"/>
           </a:p>
           <a:p>
             <a:pPr lvl="4"/>
@@ -2699,8 +2696,6 @@
           <a:p>
             <a:fld id="{4E1EB9D4-5A2D-4F2A-8FB8-D7EA6433C080}" type="datetimeFigureOut">
               <a:rPr lang="en-US" smtClean="0"/>
-              <a:pPr/>
-              <a:t>10/12/2019</a:t>
             </a:fld>
             <a:endParaRPr lang="en-US"/>
           </a:p>
@@ -2778,8 +2773,6 @@
           <a:p>
             <a:fld id="{992F2953-5593-47B3-8420-B46C734FBC0C}" type="slidenum">
               <a:rPr lang="en-US" smtClean="0"/>
-              <a:pPr/>
-              <a:t>‹#›</a:t>
             </a:fld>
             <a:endParaRPr lang="en-US"/>
           </a:p>
@@ -2789,17 +2782,17 @@
   </p:cSld>
   <p:clrMap bg1="lt1" tx1="dk1" bg2="lt2" tx2="dk2" accent1="accent1" accent2="accent2" accent3="accent3" accent4="accent4" accent5="accent5" accent6="accent6" hlink="hlink" folHlink="folHlink"/>
   <p:sldLayoutIdLst>
-    <p:sldLayoutId id="2147483697" r:id="rId1"/>
-    <p:sldLayoutId id="2147483698" r:id="rId2"/>
-    <p:sldLayoutId id="2147483699" r:id="rId3"/>
-    <p:sldLayoutId id="2147483700" r:id="rId4"/>
-    <p:sldLayoutId id="2147483701" r:id="rId5"/>
-    <p:sldLayoutId id="2147483702" r:id="rId6"/>
-    <p:sldLayoutId id="2147483703" r:id="rId7"/>
-    <p:sldLayoutId id="2147483704" r:id="rId8"/>
-    <p:sldLayoutId id="2147483705" r:id="rId9"/>
-    <p:sldLayoutId id="2147483706" r:id="rId10"/>
-    <p:sldLayoutId id="2147483707" r:id="rId11"/>
+    <p:sldLayoutId id="2147483649" r:id="rId1"/>
+    <p:sldLayoutId id="2147483650" r:id="rId2"/>
+    <p:sldLayoutId id="2147483651" r:id="rId3"/>
+    <p:sldLayoutId id="2147483652" r:id="rId4"/>
+    <p:sldLayoutId id="2147483653" r:id="rId5"/>
+    <p:sldLayoutId id="2147483654" r:id="rId6"/>
+    <p:sldLayoutId id="2147483655" r:id="rId7"/>
+    <p:sldLayoutId id="2147483656" r:id="rId8"/>
+    <p:sldLayoutId id="2147483657" r:id="rId9"/>
+    <p:sldLayoutId id="2147483658" r:id="rId10"/>
+    <p:sldLayoutId id="2147483659" r:id="rId11"/>
   </p:sldLayoutIdLst>
   <p:txStyles>
     <p:titleStyle>
@@ -2823,7 +2816,7 @@
         <a:spcBef>
           <a:spcPct val="20000"/>
         </a:spcBef>
-        <a:buFont typeface="Arial" pitchFamily="34" charset="0"/>
+        <a:buFont typeface="Arial" panose="02080604020202020204" pitchFamily="34" charset="0"/>
         <a:buChar char="•"/>
         <a:defRPr sz="3200" kern="1200">
           <a:solidFill>
@@ -2838,7 +2831,7 @@
         <a:spcBef>
           <a:spcPct val="20000"/>
         </a:spcBef>
-        <a:buFont typeface="Arial" pitchFamily="34" charset="0"/>
+        <a:buFont typeface="Arial" panose="02080604020202020204" pitchFamily="34" charset="0"/>
         <a:buChar char="–"/>
         <a:defRPr sz="2800" kern="1200">
           <a:solidFill>
@@ -2853,7 +2846,7 @@
         <a:spcBef>
           <a:spcPct val="20000"/>
         </a:spcBef>
-        <a:buFont typeface="Arial" pitchFamily="34" charset="0"/>
+        <a:buFont typeface="Arial" panose="02080604020202020204" pitchFamily="34" charset="0"/>
         <a:buChar char="•"/>
         <a:defRPr sz="2400" kern="1200">
           <a:solidFill>
@@ -2868,7 +2861,7 @@
         <a:spcBef>
           <a:spcPct val="20000"/>
         </a:spcBef>
-        <a:buFont typeface="Arial" pitchFamily="34" charset="0"/>
+        <a:buFont typeface="Arial" panose="02080604020202020204" pitchFamily="34" charset="0"/>
         <a:buChar char="–"/>
         <a:defRPr sz="2000" kern="1200">
           <a:solidFill>
@@ -2883,7 +2876,7 @@
         <a:spcBef>
           <a:spcPct val="20000"/>
         </a:spcBef>
-        <a:buFont typeface="Arial" pitchFamily="34" charset="0"/>
+        <a:buFont typeface="Arial" panose="02080604020202020204" pitchFamily="34" charset="0"/>
         <a:buChar char="»"/>
         <a:defRPr sz="2000" kern="1200">
           <a:solidFill>
@@ -2898,7 +2891,7 @@
         <a:spcBef>
           <a:spcPct val="20000"/>
         </a:spcBef>
-        <a:buFont typeface="Arial" pitchFamily="34" charset="0"/>
+        <a:buFont typeface="Arial" panose="02080604020202020204" pitchFamily="34" charset="0"/>
         <a:buChar char="•"/>
         <a:defRPr sz="2000" kern="1200">
           <a:solidFill>
@@ -2913,7 +2906,7 @@
         <a:spcBef>
           <a:spcPct val="20000"/>
         </a:spcBef>
-        <a:buFont typeface="Arial" pitchFamily="34" charset="0"/>
+        <a:buFont typeface="Arial" panose="02080604020202020204" pitchFamily="34" charset="0"/>
         <a:buChar char="•"/>
         <a:defRPr sz="2000" kern="1200">
           <a:solidFill>
@@ -2928,7 +2921,7 @@
         <a:spcBef>
           <a:spcPct val="20000"/>
         </a:spcBef>
-        <a:buFont typeface="Arial" pitchFamily="34" charset="0"/>
+        <a:buFont typeface="Arial" panose="02080604020202020204" pitchFamily="34" charset="0"/>
         <a:buChar char="•"/>
         <a:defRPr sz="2000" kern="1200">
           <a:solidFill>
@@ -2943,7 +2936,7 @@
         <a:spcBef>
           <a:spcPct val="20000"/>
         </a:spcBef>
-        <a:buFont typeface="Arial" pitchFamily="34" charset="0"/>
+        <a:buFont typeface="Arial" panose="02080604020202020204" pitchFamily="34" charset="0"/>
         <a:buChar char="•"/>
         <a:defRPr sz="2000" kern="1200">
           <a:solidFill>
@@ -3237,6 +3230,14 @@
               </a:rPr>
               <a:t>度每一天 </a:t>
             </a:r>
+            <a:endParaRPr lang="zh-TW" altLang="en-US" sz="4800" b="1" spc="50" dirty="0" smtClean="0">
+              <a:ln w="11430"/>
+              <a:solidFill>
+                <a:srgbClr val="000066"/>
+              </a:solidFill>
+              <a:latin typeface="微軟正黑體" pitchFamily="34" charset="-120"/>
+              <a:ea typeface="微軟正黑體" pitchFamily="34" charset="-120"/>
+            </a:endParaRPr>
           </a:p>
         </p:txBody>
       </p:sp>
@@ -4116,7 +4117,10 @@
       </a:bgFillStyleLst>
     </a:fmtScheme>
   </a:themeElements>
-  <a:objectDefaults/>
-  <a:extraClrSchemeLst/>
+  <a:extLst>
+    <a:ext uri="{05A4C25C-085E-4340-85A3-A5531E510DB2}">
+      <thm15:themeFamily xmlns:thm15="http://schemas.microsoft.com/office/thememl/2012/main" name="Office Theme" id="{62F939B6-93AF-4DB8-9C6B-D6C7DFDC589F}" vid="{4A3C46E8-61CC-4603-A589-7422A47A8E4A}"/>
+    </a:ext>
+  </a:extLst>
 </a:theme>
 </file>
--- a/耶和華是愛.pptx
+++ b/耶和華是愛.pptx
@@ -5,10 +5,15 @@
     <p:sldMasterId id="2147483648" r:id="rId1"/>
   </p:sldMasterIdLst>
   <p:sldIdLst>
-    <p:sldId id="256" r:id="rId3"/>
-    <p:sldId id="257" r:id="rId4"/>
-    <p:sldId id="258" r:id="rId5"/>
-    <p:sldId id="259" r:id="rId6"/>
+    <p:sldId id="260" r:id="rId2"/>
+    <p:sldId id="261" r:id="rId3"/>
+    <p:sldId id="262" r:id="rId4"/>
+    <p:sldId id="263" r:id="rId5"/>
+    <p:sldId id="264" r:id="rId6"/>
+    <p:sldId id="265" r:id="rId7"/>
+    <p:sldId id="266" r:id="rId8"/>
+    <p:sldId id="267" r:id="rId9"/>
+    <p:sldId id="268" r:id="rId10"/>
   </p:sldIdLst>
   <p:sldSz cx="9144000" cy="5143500" type="screen16x9"/>
   <p:notesSz cx="6858000" cy="9144000"/>
@@ -107,6 +112,22 @@
       </a:defRPr>
     </a:lvl9pPr>
   </p:defaultTextStyle>
+  <p:extLst>
+    <p:ext uri="{EFAFB233-063F-42B5-8137-9DF3F51BA10A}">
+      <p15:sldGuideLst xmlns:p15="http://schemas.microsoft.com/office/powerpoint/2012/main">
+        <p15:guide id="1" orient="horz" pos="1620">
+          <p15:clr>
+            <a:srgbClr val="A4A3A4"/>
+          </p15:clr>
+        </p15:guide>
+        <p15:guide id="2" pos="2880">
+          <p15:clr>
+            <a:srgbClr val="A4A3A4"/>
+          </p15:clr>
+        </p15:guide>
+      </p15:sldGuideLst>
+    </p:ext>
+  </p:extLst>
 </p:presentation>
 </file>
 
@@ -291,6 +312,7 @@
           <a:p>
             <a:fld id="{4E1EB9D4-5A2D-4F2A-8FB8-D7EA6433C080}" type="datetimeFigureOut">
               <a:rPr lang="en-US" smtClean="0"/>
+              <a:t>9/16/2023</a:t>
             </a:fld>
             <a:endParaRPr lang="en-US"/>
           </a:p>
@@ -332,6 +354,7 @@
           <a:p>
             <a:fld id="{992F2953-5593-47B3-8420-B46C734FBC0C}" type="slidenum">
               <a:rPr lang="en-US" smtClean="0"/>
+              <a:t>‹#›</a:t>
             </a:fld>
             <a:endParaRPr lang="en-US"/>
           </a:p>
@@ -405,7 +428,6 @@
               <a:rPr lang="en-US" altLang="zh-TW" smtClean="0"/>
               <a:t>Click to edit Master text styles</a:t>
             </a:r>
-            <a:endParaRPr lang="en-US" altLang="zh-TW" smtClean="0"/>
           </a:p>
           <a:p>
             <a:pPr lvl="1"/>
@@ -413,7 +435,6 @@
               <a:rPr lang="en-US" altLang="zh-TW" smtClean="0"/>
               <a:t>Second level</a:t>
             </a:r>
-            <a:endParaRPr lang="en-US" altLang="zh-TW" smtClean="0"/>
           </a:p>
           <a:p>
             <a:pPr lvl="2"/>
@@ -421,7 +442,6 @@
               <a:rPr lang="en-US" altLang="zh-TW" smtClean="0"/>
               <a:t>Third level</a:t>
             </a:r>
-            <a:endParaRPr lang="en-US" altLang="zh-TW" smtClean="0"/>
           </a:p>
           <a:p>
             <a:pPr lvl="3"/>
@@ -429,7 +449,6 @@
               <a:rPr lang="en-US" altLang="zh-TW" smtClean="0"/>
               <a:t>Fourth level</a:t>
             </a:r>
-            <a:endParaRPr lang="en-US" altLang="zh-TW" smtClean="0"/>
           </a:p>
           <a:p>
             <a:pPr lvl="4"/>
@@ -458,6 +477,7 @@
           <a:p>
             <a:fld id="{4E1EB9D4-5A2D-4F2A-8FB8-D7EA6433C080}" type="datetimeFigureOut">
               <a:rPr lang="en-US" smtClean="0"/>
+              <a:t>9/16/2023</a:t>
             </a:fld>
             <a:endParaRPr lang="en-US"/>
           </a:p>
@@ -499,6 +519,7 @@
           <a:p>
             <a:fld id="{992F2953-5593-47B3-8420-B46C734FBC0C}" type="slidenum">
               <a:rPr lang="en-US" smtClean="0"/>
+              <a:t>‹#›</a:t>
             </a:fld>
             <a:endParaRPr lang="en-US"/>
           </a:p>
@@ -582,7 +603,6 @@
               <a:rPr lang="en-US" altLang="zh-TW" smtClean="0"/>
               <a:t>Click to edit Master text styles</a:t>
             </a:r>
-            <a:endParaRPr lang="en-US" altLang="zh-TW" smtClean="0"/>
           </a:p>
           <a:p>
             <a:pPr lvl="1"/>
@@ -590,7 +610,6 @@
               <a:rPr lang="en-US" altLang="zh-TW" smtClean="0"/>
               <a:t>Second level</a:t>
             </a:r>
-            <a:endParaRPr lang="en-US" altLang="zh-TW" smtClean="0"/>
           </a:p>
           <a:p>
             <a:pPr lvl="2"/>
@@ -598,7 +617,6 @@
               <a:rPr lang="en-US" altLang="zh-TW" smtClean="0"/>
               <a:t>Third level</a:t>
             </a:r>
-            <a:endParaRPr lang="en-US" altLang="zh-TW" smtClean="0"/>
           </a:p>
           <a:p>
             <a:pPr lvl="3"/>
@@ -606,7 +624,6 @@
               <a:rPr lang="en-US" altLang="zh-TW" smtClean="0"/>
               <a:t>Fourth level</a:t>
             </a:r>
-            <a:endParaRPr lang="en-US" altLang="zh-TW" smtClean="0"/>
           </a:p>
           <a:p>
             <a:pPr lvl="4"/>
@@ -635,6 +652,7 @@
           <a:p>
             <a:fld id="{4E1EB9D4-5A2D-4F2A-8FB8-D7EA6433C080}" type="datetimeFigureOut">
               <a:rPr lang="en-US" smtClean="0"/>
+              <a:t>9/16/2023</a:t>
             </a:fld>
             <a:endParaRPr lang="en-US"/>
           </a:p>
@@ -676,6 +694,7 @@
           <a:p>
             <a:fld id="{992F2953-5593-47B3-8420-B46C734FBC0C}" type="slidenum">
               <a:rPr lang="en-US" smtClean="0"/>
+              <a:t>‹#›</a:t>
             </a:fld>
             <a:endParaRPr lang="en-US"/>
           </a:p>
@@ -749,7 +768,6 @@
               <a:rPr lang="en-US" altLang="zh-TW" smtClean="0"/>
               <a:t>Click to edit Master text styles</a:t>
             </a:r>
-            <a:endParaRPr lang="en-US" altLang="zh-TW" smtClean="0"/>
           </a:p>
           <a:p>
             <a:pPr lvl="1"/>
@@ -757,7 +775,6 @@
               <a:rPr lang="en-US" altLang="zh-TW" smtClean="0"/>
               <a:t>Second level</a:t>
             </a:r>
-            <a:endParaRPr lang="en-US" altLang="zh-TW" smtClean="0"/>
           </a:p>
           <a:p>
             <a:pPr lvl="2"/>
@@ -765,7 +782,6 @@
               <a:rPr lang="en-US" altLang="zh-TW" smtClean="0"/>
               <a:t>Third level</a:t>
             </a:r>
-            <a:endParaRPr lang="en-US" altLang="zh-TW" smtClean="0"/>
           </a:p>
           <a:p>
             <a:pPr lvl="3"/>
@@ -773,7 +789,6 @@
               <a:rPr lang="en-US" altLang="zh-TW" smtClean="0"/>
               <a:t>Fourth level</a:t>
             </a:r>
-            <a:endParaRPr lang="en-US" altLang="zh-TW" smtClean="0"/>
           </a:p>
           <a:p>
             <a:pPr lvl="4"/>
@@ -802,6 +817,7 @@
           <a:p>
             <a:fld id="{4E1EB9D4-5A2D-4F2A-8FB8-D7EA6433C080}" type="datetimeFigureOut">
               <a:rPr lang="en-US" smtClean="0"/>
+              <a:t>9/16/2023</a:t>
             </a:fld>
             <a:endParaRPr lang="en-US"/>
           </a:p>
@@ -843,6 +859,7 @@
           <a:p>
             <a:fld id="{992F2953-5593-47B3-8420-B46C734FBC0C}" type="slidenum">
               <a:rPr lang="en-US" smtClean="0"/>
+              <a:t>‹#›</a:t>
             </a:fld>
             <a:endParaRPr lang="en-US"/>
           </a:p>
@@ -1021,7 +1038,6 @@
               <a:rPr lang="en-US" altLang="zh-TW" smtClean="0"/>
               <a:t>Click to edit Master text styles</a:t>
             </a:r>
-            <a:endParaRPr lang="en-US" altLang="zh-TW" smtClean="0"/>
           </a:p>
         </p:txBody>
       </p:sp>
@@ -1042,6 +1058,7 @@
           <a:p>
             <a:fld id="{4E1EB9D4-5A2D-4F2A-8FB8-D7EA6433C080}" type="datetimeFigureOut">
               <a:rPr lang="en-US" smtClean="0"/>
+              <a:t>9/16/2023</a:t>
             </a:fld>
             <a:endParaRPr lang="en-US"/>
           </a:p>
@@ -1083,6 +1100,7 @@
           <a:p>
             <a:fld id="{992F2953-5593-47B3-8420-B46C734FBC0C}" type="slidenum">
               <a:rPr lang="en-US" smtClean="0"/>
+              <a:t>‹#›</a:t>
             </a:fld>
             <a:endParaRPr lang="en-US"/>
           </a:p>
@@ -1189,7 +1207,6 @@
               <a:rPr lang="en-US" altLang="zh-TW" smtClean="0"/>
               <a:t>Click to edit Master text styles</a:t>
             </a:r>
-            <a:endParaRPr lang="en-US" altLang="zh-TW" smtClean="0"/>
           </a:p>
           <a:p>
             <a:pPr lvl="1"/>
@@ -1197,7 +1214,6 @@
               <a:rPr lang="en-US" altLang="zh-TW" smtClean="0"/>
               <a:t>Second level</a:t>
             </a:r>
-            <a:endParaRPr lang="en-US" altLang="zh-TW" smtClean="0"/>
           </a:p>
           <a:p>
             <a:pPr lvl="2"/>
@@ -1205,7 +1221,6 @@
               <a:rPr lang="en-US" altLang="zh-TW" smtClean="0"/>
               <a:t>Third level</a:t>
             </a:r>
-            <a:endParaRPr lang="en-US" altLang="zh-TW" smtClean="0"/>
           </a:p>
           <a:p>
             <a:pPr lvl="3"/>
@@ -1213,7 +1228,6 @@
               <a:rPr lang="en-US" altLang="zh-TW" smtClean="0"/>
               <a:t>Fourth level</a:t>
             </a:r>
-            <a:endParaRPr lang="en-US" altLang="zh-TW" smtClean="0"/>
           </a:p>
           <a:p>
             <a:pPr lvl="4"/>
@@ -1278,7 +1292,6 @@
               <a:rPr lang="en-US" altLang="zh-TW" smtClean="0"/>
               <a:t>Click to edit Master text styles</a:t>
             </a:r>
-            <a:endParaRPr lang="en-US" altLang="zh-TW" smtClean="0"/>
           </a:p>
           <a:p>
             <a:pPr lvl="1"/>
@@ -1286,7 +1299,6 @@
               <a:rPr lang="en-US" altLang="zh-TW" smtClean="0"/>
               <a:t>Second level</a:t>
             </a:r>
-            <a:endParaRPr lang="en-US" altLang="zh-TW" smtClean="0"/>
           </a:p>
           <a:p>
             <a:pPr lvl="2"/>
@@ -1294,7 +1306,6 @@
               <a:rPr lang="en-US" altLang="zh-TW" smtClean="0"/>
               <a:t>Third level</a:t>
             </a:r>
-            <a:endParaRPr lang="en-US" altLang="zh-TW" smtClean="0"/>
           </a:p>
           <a:p>
             <a:pPr lvl="3"/>
@@ -1302,7 +1313,6 @@
               <a:rPr lang="en-US" altLang="zh-TW" smtClean="0"/>
               <a:t>Fourth level</a:t>
             </a:r>
-            <a:endParaRPr lang="en-US" altLang="zh-TW" smtClean="0"/>
           </a:p>
           <a:p>
             <a:pPr lvl="4"/>
@@ -1331,6 +1341,7 @@
           <a:p>
             <a:fld id="{4E1EB9D4-5A2D-4F2A-8FB8-D7EA6433C080}" type="datetimeFigureOut">
               <a:rPr lang="en-US" smtClean="0"/>
+              <a:t>9/16/2023</a:t>
             </a:fld>
             <a:endParaRPr lang="en-US"/>
           </a:p>
@@ -1372,6 +1383,7 @@
           <a:p>
             <a:fld id="{992F2953-5593-47B3-8420-B46C734FBC0C}" type="slidenum">
               <a:rPr lang="en-US" smtClean="0"/>
+              <a:t>‹#›</a:t>
             </a:fld>
             <a:endParaRPr lang="en-US"/>
           </a:p>
@@ -1491,7 +1503,6 @@
               <a:rPr lang="en-US" altLang="zh-TW" smtClean="0"/>
               <a:t>Click to edit Master text styles</a:t>
             </a:r>
-            <a:endParaRPr lang="en-US" altLang="zh-TW" smtClean="0"/>
           </a:p>
         </p:txBody>
       </p:sp>
@@ -1548,7 +1559,6 @@
               <a:rPr lang="en-US" altLang="zh-TW" smtClean="0"/>
               <a:t>Click to edit Master text styles</a:t>
             </a:r>
-            <a:endParaRPr lang="en-US" altLang="zh-TW" smtClean="0"/>
           </a:p>
           <a:p>
             <a:pPr lvl="1"/>
@@ -1556,7 +1566,6 @@
               <a:rPr lang="en-US" altLang="zh-TW" smtClean="0"/>
               <a:t>Second level</a:t>
             </a:r>
-            <a:endParaRPr lang="en-US" altLang="zh-TW" smtClean="0"/>
           </a:p>
           <a:p>
             <a:pPr lvl="2"/>
@@ -1564,7 +1573,6 @@
               <a:rPr lang="en-US" altLang="zh-TW" smtClean="0"/>
               <a:t>Third level</a:t>
             </a:r>
-            <a:endParaRPr lang="en-US" altLang="zh-TW" smtClean="0"/>
           </a:p>
           <a:p>
             <a:pPr lvl="3"/>
@@ -1572,7 +1580,6 @@
               <a:rPr lang="en-US" altLang="zh-TW" smtClean="0"/>
               <a:t>Fourth level</a:t>
             </a:r>
-            <a:endParaRPr lang="en-US" altLang="zh-TW" smtClean="0"/>
           </a:p>
           <a:p>
             <a:pPr lvl="4"/>
@@ -1646,7 +1653,6 @@
               <a:rPr lang="en-US" altLang="zh-TW" smtClean="0"/>
               <a:t>Click to edit Master text styles</a:t>
             </a:r>
-            <a:endParaRPr lang="en-US" altLang="zh-TW" smtClean="0"/>
           </a:p>
         </p:txBody>
       </p:sp>
@@ -1703,7 +1709,6 @@
               <a:rPr lang="en-US" altLang="zh-TW" smtClean="0"/>
               <a:t>Click to edit Master text styles</a:t>
             </a:r>
-            <a:endParaRPr lang="en-US" altLang="zh-TW" smtClean="0"/>
           </a:p>
           <a:p>
             <a:pPr lvl="1"/>
@@ -1711,7 +1716,6 @@
               <a:rPr lang="en-US" altLang="zh-TW" smtClean="0"/>
               <a:t>Second level</a:t>
             </a:r>
-            <a:endParaRPr lang="en-US" altLang="zh-TW" smtClean="0"/>
           </a:p>
           <a:p>
             <a:pPr lvl="2"/>
@@ -1719,7 +1723,6 @@
               <a:rPr lang="en-US" altLang="zh-TW" smtClean="0"/>
               <a:t>Third level</a:t>
             </a:r>
-            <a:endParaRPr lang="en-US" altLang="zh-TW" smtClean="0"/>
           </a:p>
           <a:p>
             <a:pPr lvl="3"/>
@@ -1727,7 +1730,6 @@
               <a:rPr lang="en-US" altLang="zh-TW" smtClean="0"/>
               <a:t>Fourth level</a:t>
             </a:r>
-            <a:endParaRPr lang="en-US" altLang="zh-TW" smtClean="0"/>
           </a:p>
           <a:p>
             <a:pPr lvl="4"/>
@@ -1756,6 +1758,7 @@
           <a:p>
             <a:fld id="{4E1EB9D4-5A2D-4F2A-8FB8-D7EA6433C080}" type="datetimeFigureOut">
               <a:rPr lang="en-US" smtClean="0"/>
+              <a:t>9/16/2023</a:t>
             </a:fld>
             <a:endParaRPr lang="en-US"/>
           </a:p>
@@ -1797,6 +1800,7 @@
           <a:p>
             <a:fld id="{992F2953-5593-47B3-8420-B46C734FBC0C}" type="slidenum">
               <a:rPr lang="en-US" smtClean="0"/>
+              <a:t>‹#›</a:t>
             </a:fld>
             <a:endParaRPr lang="en-US"/>
           </a:p>
@@ -1867,6 +1871,7 @@
           <a:p>
             <a:fld id="{4E1EB9D4-5A2D-4F2A-8FB8-D7EA6433C080}" type="datetimeFigureOut">
               <a:rPr lang="en-US" smtClean="0"/>
+              <a:t>9/16/2023</a:t>
             </a:fld>
             <a:endParaRPr lang="en-US"/>
           </a:p>
@@ -1908,6 +1913,7 @@
           <a:p>
             <a:fld id="{992F2953-5593-47B3-8420-B46C734FBC0C}" type="slidenum">
               <a:rPr lang="en-US" smtClean="0"/>
+              <a:t>‹#›</a:t>
             </a:fld>
             <a:endParaRPr lang="en-US"/>
           </a:p>
@@ -1955,6 +1961,7 @@
           <a:p>
             <a:fld id="{4E1EB9D4-5A2D-4F2A-8FB8-D7EA6433C080}" type="datetimeFigureOut">
               <a:rPr lang="en-US" smtClean="0"/>
+              <a:t>9/16/2023</a:t>
             </a:fld>
             <a:endParaRPr lang="en-US"/>
           </a:p>
@@ -1996,6 +2003,7 @@
           <a:p>
             <a:fld id="{992F2953-5593-47B3-8420-B46C734FBC0C}" type="slidenum">
               <a:rPr lang="en-US" smtClean="0"/>
+              <a:t>‹#›</a:t>
             </a:fld>
             <a:endParaRPr lang="en-US"/>
           </a:p>
@@ -2111,7 +2119,6 @@
               <a:rPr lang="en-US" altLang="zh-TW" smtClean="0"/>
               <a:t>Click to edit Master text styles</a:t>
             </a:r>
-            <a:endParaRPr lang="en-US" altLang="zh-TW" smtClean="0"/>
           </a:p>
           <a:p>
             <a:pPr lvl="1"/>
@@ -2119,7 +2126,6 @@
               <a:rPr lang="en-US" altLang="zh-TW" smtClean="0"/>
               <a:t>Second level</a:t>
             </a:r>
-            <a:endParaRPr lang="en-US" altLang="zh-TW" smtClean="0"/>
           </a:p>
           <a:p>
             <a:pPr lvl="2"/>
@@ -2127,7 +2133,6 @@
               <a:rPr lang="en-US" altLang="zh-TW" smtClean="0"/>
               <a:t>Third level</a:t>
             </a:r>
-            <a:endParaRPr lang="en-US" altLang="zh-TW" smtClean="0"/>
           </a:p>
           <a:p>
             <a:pPr lvl="3"/>
@@ -2135,7 +2140,6 @@
               <a:rPr lang="en-US" altLang="zh-TW" smtClean="0"/>
               <a:t>Fourth level</a:t>
             </a:r>
-            <a:endParaRPr lang="en-US" altLang="zh-TW" smtClean="0"/>
           </a:p>
           <a:p>
             <a:pPr lvl="4"/>
@@ -2209,7 +2213,6 @@
               <a:rPr lang="en-US" altLang="zh-TW" smtClean="0"/>
               <a:t>Click to edit Master text styles</a:t>
             </a:r>
-            <a:endParaRPr lang="en-US" altLang="zh-TW" smtClean="0"/>
           </a:p>
         </p:txBody>
       </p:sp>
@@ -2230,6 +2233,7 @@
           <a:p>
             <a:fld id="{4E1EB9D4-5A2D-4F2A-8FB8-D7EA6433C080}" type="datetimeFigureOut">
               <a:rPr lang="en-US" smtClean="0"/>
+              <a:t>9/16/2023</a:t>
             </a:fld>
             <a:endParaRPr lang="en-US"/>
           </a:p>
@@ -2271,6 +2275,7 @@
           <a:p>
             <a:fld id="{992F2953-5593-47B3-8420-B46C734FBC0C}" type="slidenum">
               <a:rPr lang="en-US" smtClean="0"/>
+              <a:t>‹#›</a:t>
             </a:fld>
             <a:endParaRPr lang="en-US"/>
           </a:p>
@@ -2460,7 +2465,6 @@
               <a:rPr lang="en-US" altLang="zh-TW" smtClean="0"/>
               <a:t>Click to edit Master text styles</a:t>
             </a:r>
-            <a:endParaRPr lang="en-US" altLang="zh-TW" smtClean="0"/>
           </a:p>
         </p:txBody>
       </p:sp>
@@ -2481,6 +2485,7 @@
           <a:p>
             <a:fld id="{4E1EB9D4-5A2D-4F2A-8FB8-D7EA6433C080}" type="datetimeFigureOut">
               <a:rPr lang="en-US" smtClean="0"/>
+              <a:t>9/16/2023</a:t>
             </a:fld>
             <a:endParaRPr lang="en-US"/>
           </a:p>
@@ -2522,6 +2527,7 @@
           <a:p>
             <a:fld id="{992F2953-5593-47B3-8420-B46C734FBC0C}" type="slidenum">
               <a:rPr lang="en-US" smtClean="0"/>
+              <a:t>‹#›</a:t>
             </a:fld>
             <a:endParaRPr lang="en-US"/>
           </a:p>
@@ -2541,7 +2547,7 @@
     <p:bg>
       <p:bgPr>
         <a:blipFill dpi="0" rotWithShape="1">
-          <a:blip r:embed="rId12"/>
+          <a:blip r:embed="rId13"/>
           <a:srcRect/>
           <a:tile tx="0" ty="0" sx="100000" sy="100000" flip="none" algn="tl"/>
         </a:blipFill>
@@ -2625,7 +2631,6 @@
               <a:rPr lang="zh-TW" altLang="en-US" smtClean="0"/>
               <a:t>按一下以編輯母片文字樣式</a:t>
             </a:r>
-            <a:endParaRPr lang="zh-TW" altLang="en-US" smtClean="0"/>
           </a:p>
           <a:p>
             <a:pPr lvl="1"/>
@@ -2633,7 +2638,6 @@
               <a:rPr lang="zh-TW" altLang="en-US" smtClean="0"/>
               <a:t>第二層</a:t>
             </a:r>
-            <a:endParaRPr lang="zh-TW" altLang="en-US" smtClean="0"/>
           </a:p>
           <a:p>
             <a:pPr lvl="2"/>
@@ -2641,7 +2645,6 @@
               <a:rPr lang="zh-TW" altLang="en-US" smtClean="0"/>
               <a:t>第三層</a:t>
             </a:r>
-            <a:endParaRPr lang="zh-TW" altLang="en-US" smtClean="0"/>
           </a:p>
           <a:p>
             <a:pPr lvl="3"/>
@@ -2649,7 +2652,6 @@
               <a:rPr lang="zh-TW" altLang="en-US" smtClean="0"/>
               <a:t>第四層</a:t>
             </a:r>
-            <a:endParaRPr lang="zh-TW" altLang="en-US" smtClean="0"/>
           </a:p>
           <a:p>
             <a:pPr lvl="4"/>
@@ -2696,6 +2698,7 @@
           <a:p>
             <a:fld id="{4E1EB9D4-5A2D-4F2A-8FB8-D7EA6433C080}" type="datetimeFigureOut">
               <a:rPr lang="en-US" smtClean="0"/>
+              <a:t>9/16/2023</a:t>
             </a:fld>
             <a:endParaRPr lang="en-US"/>
           </a:p>
@@ -2773,6 +2776,7 @@
           <a:p>
             <a:fld id="{992F2953-5593-47B3-8420-B46C734FBC0C}" type="slidenum">
               <a:rPr lang="en-US" smtClean="0"/>
+              <a:t>‹#›</a:t>
             </a:fld>
             <a:endParaRPr lang="en-US"/>
           </a:p>
@@ -3066,7 +3070,7 @@
       </p:grpSpPr>
       <p:sp>
         <p:nvSpPr>
-          <p:cNvPr id="4" name="Title 3"/>
+          <p:cNvPr id="4" name="標題 3"/>
           <p:cNvSpPr>
             <a:spLocks noGrp="1"/>
           </p:cNvSpPr>
@@ -3074,185 +3078,65 @@
             <p:ph type="title"/>
           </p:nvPr>
         </p:nvSpPr>
-        <p:spPr/>
-        <p:txBody>
-          <a:bodyPr>
-            <a:normAutofit/>
-          </a:bodyPr>
-          <a:lstStyle/>
-          <a:p>
-            <a:r>
-              <a:rPr lang="zh-TW" altLang="en-US" sz="4000" b="1" dirty="0" smtClean="0">
-                <a:solidFill>
-                  <a:srgbClr val="000066"/>
-                </a:solidFill>
-                <a:latin typeface="微軟正黑體" pitchFamily="34" charset="-120"/>
-                <a:ea typeface="微軟正黑體" pitchFamily="34" charset="-120"/>
-              </a:rPr>
-              <a:t>耶和華是愛</a:t>
-            </a:r>
-            <a:endParaRPr lang="en-US" sz="4000" b="1" dirty="0">
-              <a:solidFill>
-                <a:srgbClr val="000066"/>
-              </a:solidFill>
-              <a:latin typeface="微軟正黑體" pitchFamily="34" charset="-120"/>
-              <a:ea typeface="微軟正黑體" pitchFamily="34" charset="-120"/>
-            </a:endParaRPr>
-          </a:p>
-        </p:txBody>
-      </p:sp>
-      <p:sp>
-        <p:nvSpPr>
-          <p:cNvPr id="5" name="Content Placeholder 4"/>
-          <p:cNvSpPr>
-            <a:spLocks noGrp="1"/>
-          </p:cNvSpPr>
-          <p:nvPr>
-            <p:ph idx="1"/>
-          </p:nvPr>
-        </p:nvSpPr>
-        <p:spPr/>
+        <p:spPr>
+          <a:xfrm>
+            <a:off x="0" y="1995686"/>
+            <a:ext cx="9144000" cy="857250"/>
+          </a:xfrm>
+        </p:spPr>
         <p:txBody>
           <a:bodyPr>
             <a:noAutofit/>
           </a:bodyPr>
           <a:lstStyle/>
           <a:p>
-            <a:pPr algn="ctr">
-              <a:buNone/>
-              <a:defRPr/>
-            </a:pPr>
-            <a:r>
-              <a:rPr lang="zh-TW" altLang="en-US" sz="4800" b="1" spc="50" dirty="0" smtClean="0">
-                <a:ln w="11430"/>
-                <a:solidFill>
-                  <a:srgbClr val="000066"/>
-                </a:solidFill>
+            <a:r>
+              <a:rPr lang="zh-TW" altLang="en-US" sz="5400" b="1" i="1" dirty="0" smtClean="0">
+                <a:solidFill>
+                  <a:srgbClr val="000066"/>
+                </a:solidFill>
+                <a:effectLst>
+                  <a:outerShdw blurRad="38100" dist="38100" dir="2700000" algn="tl">
+                    <a:srgbClr val="000000">
+                      <a:alpha val="43137"/>
+                    </a:srgbClr>
+                  </a:outerShdw>
+                </a:effectLst>
                 <a:latin typeface="微軟正黑體" pitchFamily="34" charset="-120"/>
                 <a:ea typeface="微軟正黑體" pitchFamily="34" charset="-120"/>
               </a:rPr>
-              <a:t>耶和華是愛</a:t>
-            </a:r>
-            <a:endParaRPr lang="en-US" altLang="zh-TW" sz="4800" b="1" spc="50" dirty="0" smtClean="0">
-              <a:ln w="11430"/>
-              <a:solidFill>
-                <a:srgbClr val="000066"/>
-              </a:solidFill>
-              <a:latin typeface="微軟正黑體" pitchFamily="34" charset="-120"/>
-              <a:ea typeface="微軟正黑體" pitchFamily="34" charset="-120"/>
-            </a:endParaRPr>
-          </a:p>
-          <a:p>
-            <a:pPr algn="ctr">
-              <a:buNone/>
-              <a:defRPr/>
-            </a:pPr>
-            <a:r>
-              <a:rPr lang="zh-TW" altLang="en-US" sz="4800" b="1" spc="50" dirty="0" smtClean="0">
-                <a:ln w="11430"/>
-                <a:solidFill>
-                  <a:srgbClr val="000066"/>
-                </a:solidFill>
+              <a:t>耶</a:t>
+            </a:r>
+            <a:r>
+              <a:rPr lang="zh-TW" altLang="en-US" sz="5400" b="1" i="1" dirty="0">
+                <a:solidFill>
+                  <a:srgbClr val="000066"/>
+                </a:solidFill>
+                <a:effectLst>
+                  <a:outerShdw blurRad="38100" dist="38100" dir="2700000" algn="tl">
+                    <a:srgbClr val="000000">
+                      <a:alpha val="43137"/>
+                    </a:srgbClr>
+                  </a:outerShdw>
+                </a:effectLst>
                 <a:latin typeface="微軟正黑體" pitchFamily="34" charset="-120"/>
                 <a:ea typeface="微軟正黑體" pitchFamily="34" charset="-120"/>
               </a:rPr>
-              <a:t>讓我安歇青草溪水邊</a:t>
-            </a:r>
-            <a:endParaRPr lang="en-US" altLang="zh-TW" sz="4800" b="1" spc="50" dirty="0" smtClean="0">
-              <a:ln w="11430"/>
-              <a:solidFill>
-                <a:srgbClr val="000066"/>
-              </a:solidFill>
-              <a:latin typeface="微軟正黑體" pitchFamily="34" charset="-120"/>
-              <a:ea typeface="微軟正黑體" pitchFamily="34" charset="-120"/>
-            </a:endParaRPr>
-          </a:p>
-          <a:p>
-            <a:pPr algn="ctr">
-              <a:buNone/>
-              <a:defRPr/>
-            </a:pPr>
-            <a:r>
-              <a:rPr lang="zh-TW" altLang="en-US" sz="4800" b="1" spc="50" dirty="0" smtClean="0">
-                <a:ln w="11430"/>
-                <a:solidFill>
-                  <a:srgbClr val="000066"/>
-                </a:solidFill>
-                <a:latin typeface="微軟正黑體" pitchFamily="34" charset="-120"/>
-                <a:ea typeface="微軟正黑體" pitchFamily="34" charset="-120"/>
-              </a:rPr>
-              <a:t>神令我省察心中的幽暗</a:t>
-            </a:r>
-            <a:endParaRPr lang="en-US" altLang="zh-TW" sz="4800" b="1" spc="50" dirty="0" smtClean="0">
-              <a:ln w="11430"/>
-              <a:solidFill>
-                <a:srgbClr val="000066"/>
-              </a:solidFill>
-              <a:latin typeface="微軟正黑體" pitchFamily="34" charset="-120"/>
-              <a:ea typeface="微軟正黑體" pitchFamily="34" charset="-120"/>
-            </a:endParaRPr>
-          </a:p>
-          <a:p>
-            <a:pPr algn="ctr">
-              <a:buNone/>
-              <a:defRPr/>
-            </a:pPr>
-            <a:r>
-              <a:rPr lang="zh-TW" altLang="en-US" sz="4800" b="1" spc="50" dirty="0" smtClean="0">
-                <a:ln w="11430"/>
-                <a:solidFill>
-                  <a:srgbClr val="000066"/>
-                </a:solidFill>
-                <a:latin typeface="微軟正黑體" pitchFamily="34" charset="-120"/>
-                <a:ea typeface="微軟正黑體" pitchFamily="34" charset="-120"/>
-              </a:rPr>
-              <a:t>共</a:t>
-            </a:r>
-            <a:r>
-              <a:rPr lang="zh-CN" altLang="en-US" sz="4800" b="1" spc="50" dirty="0" smtClean="0">
-                <a:ln w="11430"/>
-                <a:solidFill>
-                  <a:srgbClr val="000066"/>
-                </a:solidFill>
-                <a:latin typeface="微軟正黑體" pitchFamily="34" charset="-120"/>
-                <a:ea typeface="微軟正黑體" pitchFamily="34" charset="-120"/>
-              </a:rPr>
-              <a:t>同</a:t>
-            </a:r>
-            <a:r>
-              <a:rPr lang="zh-TW" altLang="en-US" sz="4800" b="1" spc="50" dirty="0" smtClean="0">
-                <a:ln w="11430"/>
-                <a:solidFill>
-                  <a:srgbClr val="000066"/>
-                </a:solidFill>
-                <a:latin typeface="微軟正黑體" pitchFamily="34" charset="-120"/>
-                <a:ea typeface="微軟正黑體" pitchFamily="34" charset="-120"/>
-              </a:rPr>
-              <a:t>度每一天 </a:t>
-            </a:r>
-            <a:endParaRPr lang="zh-TW" altLang="en-US" sz="4800" b="1" spc="50" dirty="0" smtClean="0">
-              <a:ln w="11430"/>
-              <a:solidFill>
-                <a:srgbClr val="000066"/>
-              </a:solidFill>
-              <a:latin typeface="微軟正黑體" pitchFamily="34" charset="-120"/>
-              <a:ea typeface="微軟正黑體" pitchFamily="34" charset="-120"/>
-            </a:endParaRPr>
+              <a:t>和華是愛</a:t>
+            </a:r>
           </a:p>
         </p:txBody>
       </p:sp>
     </p:spTree>
+    <p:extLst>
+      <p:ext uri="{BB962C8B-B14F-4D97-AF65-F5344CB8AC3E}">
+        <p14:creationId xmlns:p14="http://schemas.microsoft.com/office/powerpoint/2010/main" val="627282804"/>
+      </p:ext>
+    </p:extLst>
   </p:cSld>
   <p:clrMapOvr>
     <a:masterClrMapping/>
   </p:clrMapOvr>
-  <p:timing>
-    <p:tnLst>
-      <p:par>
-        <p:cTn id="1" dur="indefinite" restart="never" nodeType="tmRoot"/>
-      </p:par>
-    </p:tnLst>
-  </p:timing>
 </p:sld>
 </file>
 
@@ -3275,55 +3159,23 @@
       </p:grpSpPr>
       <p:sp>
         <p:nvSpPr>
-          <p:cNvPr id="4" name="Title 3"/>
-          <p:cNvSpPr>
-            <a:spLocks noGrp="1"/>
-          </p:cNvSpPr>
-          <p:nvPr>
-            <p:ph type="title"/>
-          </p:nvPr>
-        </p:nvSpPr>
-        <p:spPr/>
-        <p:txBody>
-          <a:bodyPr>
+          <p:cNvPr id="5" name="內容版面配置區 4"/>
+          <p:cNvSpPr>
+            <a:spLocks noGrp="1"/>
+          </p:cNvSpPr>
+          <p:nvPr>
+            <p:ph idx="1"/>
+          </p:nvPr>
+        </p:nvSpPr>
+        <p:spPr>
+          <a:xfrm>
+            <a:off x="0" y="1563638"/>
+            <a:ext cx="9144000" cy="1803647"/>
+          </a:xfrm>
+        </p:spPr>
+        <p:txBody>
+          <a:bodyPr anchor="ctr">
             <a:normAutofit/>
-          </a:bodyPr>
-          <a:lstStyle/>
-          <a:p>
-            <a:r>
-              <a:rPr lang="zh-TW" altLang="en-US" sz="4000" b="1" dirty="0">
-                <a:solidFill>
-                  <a:srgbClr val="000066"/>
-                </a:solidFill>
-                <a:latin typeface="微軟正黑體" pitchFamily="34" charset="-120"/>
-                <a:ea typeface="微軟正黑體" pitchFamily="34" charset="-120"/>
-              </a:rPr>
-              <a:t>耶和華是愛</a:t>
-            </a:r>
-            <a:endParaRPr lang="en-US" altLang="en-US" sz="4000" b="1" dirty="0">
-              <a:solidFill>
-                <a:srgbClr val="000066"/>
-              </a:solidFill>
-              <a:latin typeface="微軟正黑體" pitchFamily="34" charset="-120"/>
-              <a:ea typeface="微軟正黑體" pitchFamily="34" charset="-120"/>
-            </a:endParaRPr>
-          </a:p>
-        </p:txBody>
-      </p:sp>
-      <p:sp>
-        <p:nvSpPr>
-          <p:cNvPr id="5" name="Content Placeholder 4"/>
-          <p:cNvSpPr>
-            <a:spLocks noGrp="1"/>
-          </p:cNvSpPr>
-          <p:nvPr>
-            <p:ph idx="1"/>
-          </p:nvPr>
-        </p:nvSpPr>
-        <p:spPr/>
-        <p:txBody>
-          <a:bodyPr>
-            <a:noAutofit/>
           </a:bodyPr>
           <a:lstStyle/>
           <a:p>
@@ -3365,21 +3217,9 @@
                 <a:latin typeface="微軟正黑體" pitchFamily="34" charset="-120"/>
                 <a:ea typeface="微軟正黑體" pitchFamily="34" charset="-120"/>
               </a:rPr>
-              <a:t>在困境中祂保守引</a:t>
-            </a:r>
-            <a:r>
-              <a:rPr lang="zh-CN" altLang="en-US" sz="4800" b="1" spc="50" dirty="0">
-                <a:ln w="11430"/>
-                <a:solidFill>
-                  <a:srgbClr val="000066"/>
-                </a:solidFill>
-                <a:latin typeface="微軟正黑體" pitchFamily="34" charset="-120"/>
-                <a:ea typeface="微軟正黑體" pitchFamily="34" charset="-120"/>
-              </a:rPr>
-              <a:t>牽</a:t>
-            </a:r>
-            <a:endParaRPr lang="en-US" altLang="zh-TW" sz="4800" b="1" spc="50" dirty="0">
-              <a:ln w="11430"/>
+              <a:t>讓我安歇青草溪水邊</a:t>
+            </a:r>
+            <a:endParaRPr lang="en-US" altLang="zh-TW" sz="4800" b="1" dirty="0" smtClean="0">
               <a:solidFill>
                 <a:srgbClr val="000066"/>
               </a:solidFill>
@@ -3387,81 +3227,80 @@
               <a:ea typeface="微軟正黑體" pitchFamily="34" charset="-120"/>
             </a:endParaRPr>
           </a:p>
-          <a:p>
-            <a:pPr algn="ctr">
-              <a:buNone/>
-              <a:defRPr/>
-            </a:pPr>
-            <a:r>
-              <a:rPr lang="zh-TW" altLang="en-US" sz="4800" b="1" spc="50" dirty="0">
-                <a:ln w="11430"/>
-                <a:solidFill>
-                  <a:srgbClr val="000066"/>
-                </a:solidFill>
-                <a:latin typeface="微軟正黑體" pitchFamily="34" charset="-120"/>
-                <a:ea typeface="微軟正黑體" pitchFamily="34" charset="-120"/>
-              </a:rPr>
-              <a:t>神為我擺設</a:t>
-            </a:r>
-            <a:r>
-              <a:rPr lang="zh-CN" altLang="en-US" sz="4800" b="1" spc="50" dirty="0">
-                <a:ln w="11430"/>
-                <a:solidFill>
-                  <a:srgbClr val="000066"/>
-                </a:solidFill>
-                <a:latin typeface="微軟正黑體" pitchFamily="34" charset="-120"/>
-                <a:ea typeface="微軟正黑體" pitchFamily="34" charset="-120"/>
-              </a:rPr>
-              <a:t>豐足的恩惠</a:t>
-            </a:r>
-            <a:endParaRPr lang="en-US" altLang="zh-TW" sz="4800" b="1" spc="50" dirty="0">
-              <a:ln w="11430"/>
+        </p:txBody>
+      </p:sp>
+      <p:sp>
+        <p:nvSpPr>
+          <p:cNvPr id="3" name="TextBox 2"/>
+          <p:cNvSpPr txBox="1"/>
+          <p:nvPr/>
+        </p:nvSpPr>
+        <p:spPr>
+          <a:xfrm>
+            <a:off x="0" y="3867894"/>
+            <a:ext cx="9144000" cy="461665"/>
+          </a:xfrm>
+          <a:prstGeom prst="rect">
+            <a:avLst/>
+          </a:prstGeom>
+          <a:noFill/>
+        </p:spPr>
+        <p:txBody>
+          <a:bodyPr wrap="square" rtlCol="0">
+            <a:spAutoFit/>
+          </a:bodyPr>
+          <a:lstStyle/>
+          <a:p>
+            <a:pPr algn="ctr"/>
+            <a:r>
+              <a:rPr lang="en-US" sz="2400" b="1" dirty="0" smtClean="0">
+                <a:solidFill>
+                  <a:srgbClr val="000066"/>
+                </a:solidFill>
+                <a:latin typeface="Microsoft JhengHei" panose="020B0604030504040204" pitchFamily="34" charset="-120"/>
+                <a:ea typeface="Microsoft JhengHei" panose="020B0604030504040204" pitchFamily="34" charset="-120"/>
+              </a:rPr>
+              <a:t>( </a:t>
+            </a:r>
+            <a:r>
+              <a:rPr lang="zh-CN" altLang="en-US" sz="2400" b="1" dirty="0" smtClean="0">
+                <a:solidFill>
+                  <a:srgbClr val="000066"/>
+                </a:solidFill>
+                <a:latin typeface="Microsoft JhengHei" panose="020B0604030504040204" pitchFamily="34" charset="-120"/>
+                <a:ea typeface="Microsoft JhengHei" panose="020B0604030504040204" pitchFamily="34" charset="-120"/>
+              </a:rPr>
+              <a:t>正</a:t>
+            </a:r>
+            <a:r>
+              <a:rPr lang="en-US" sz="2400" b="1" dirty="0" smtClean="0">
+                <a:solidFill>
+                  <a:srgbClr val="000066"/>
+                </a:solidFill>
+                <a:latin typeface="Microsoft JhengHei" panose="020B0604030504040204" pitchFamily="34" charset="-120"/>
+                <a:ea typeface="Microsoft JhengHei" panose="020B0604030504040204" pitchFamily="34" charset="-120"/>
+              </a:rPr>
+              <a:t> )</a:t>
+            </a:r>
+            <a:endParaRPr lang="vi-VN" sz="2400" b="1" dirty="0">
               <a:solidFill>
                 <a:srgbClr val="000066"/>
               </a:solidFill>
-              <a:latin typeface="微軟正黑體" pitchFamily="34" charset="-120"/>
-              <a:ea typeface="微軟正黑體" pitchFamily="34" charset="-120"/>
+              <a:ea typeface="Microsoft JhengHei" panose="020B0604030504040204" pitchFamily="34" charset="-120"/>
             </a:endParaRPr>
           </a:p>
-          <a:p>
-            <a:pPr algn="ctr">
-              <a:buNone/>
-              <a:defRPr/>
-            </a:pPr>
-            <a:r>
-              <a:rPr lang="zh-TW" altLang="en-US" sz="4800" b="1" spc="50" dirty="0">
-                <a:ln w="11430"/>
-                <a:solidFill>
-                  <a:srgbClr val="000066"/>
-                </a:solidFill>
-                <a:latin typeface="微軟正黑體" pitchFamily="34" charset="-120"/>
-                <a:ea typeface="微軟正黑體" pitchFamily="34" charset="-120"/>
-              </a:rPr>
-              <a:t>在危難也不改變</a:t>
-            </a:r>
-            <a:endParaRPr lang="zh-TW" altLang="en-US" sz="4800" b="1" spc="50" dirty="0">
-              <a:ln w="11430"/>
-              <a:solidFill>
-                <a:srgbClr val="000066"/>
-              </a:solidFill>
-              <a:latin typeface="微軟正黑體" pitchFamily="34" charset="-120"/>
-              <a:ea typeface="微軟正黑體" pitchFamily="34" charset="-120"/>
-            </a:endParaRPr>
-          </a:p>
         </p:txBody>
       </p:sp>
     </p:spTree>
+    <p:extLst>
+      <p:ext uri="{BB962C8B-B14F-4D97-AF65-F5344CB8AC3E}">
+        <p14:creationId xmlns:p14="http://schemas.microsoft.com/office/powerpoint/2010/main" val="390685500"/>
+      </p:ext>
+    </p:extLst>
   </p:cSld>
   <p:clrMapOvr>
     <a:masterClrMapping/>
   </p:clrMapOvr>
-  <p:timing>
-    <p:tnLst>
-      <p:par>
-        <p:cTn id="1" dur="indefinite" restart="never" nodeType="tmRoot"/>
-      </p:par>
-    </p:tnLst>
-  </p:timing>
 </p:sld>
 </file>
 
@@ -3484,72 +3323,40 @@
       </p:grpSpPr>
       <p:sp>
         <p:nvSpPr>
-          <p:cNvPr id="4" name="Title 3"/>
-          <p:cNvSpPr>
-            <a:spLocks noGrp="1"/>
-          </p:cNvSpPr>
-          <p:nvPr>
-            <p:ph type="title"/>
-          </p:nvPr>
-        </p:nvSpPr>
-        <p:spPr/>
-        <p:txBody>
-          <a:bodyPr>
+          <p:cNvPr id="5" name="內容版面配置區 4"/>
+          <p:cNvSpPr>
+            <a:spLocks noGrp="1"/>
+          </p:cNvSpPr>
+          <p:nvPr>
+            <p:ph idx="1"/>
+          </p:nvPr>
+        </p:nvSpPr>
+        <p:spPr>
+          <a:xfrm>
+            <a:off x="0" y="1563638"/>
+            <a:ext cx="9144000" cy="1803647"/>
+          </a:xfrm>
+        </p:spPr>
+        <p:txBody>
+          <a:bodyPr anchor="ctr">
             <a:normAutofit/>
           </a:bodyPr>
           <a:lstStyle/>
           <a:p>
-            <a:r>
-              <a:rPr lang="zh-TW" altLang="en-US" sz="4000" b="1" dirty="0">
+            <a:pPr algn="ctr">
+              <a:buNone/>
+              <a:defRPr/>
+            </a:pPr>
+            <a:r>
+              <a:rPr lang="zh-TW" altLang="en-US" sz="4800" b="1" spc="50" dirty="0">
+                <a:ln w="11430"/>
                 <a:solidFill>
                   <a:srgbClr val="000066"/>
                 </a:solidFill>
                 <a:latin typeface="微軟正黑體" pitchFamily="34" charset="-120"/>
                 <a:ea typeface="微軟正黑體" pitchFamily="34" charset="-120"/>
               </a:rPr>
-              <a:t>耶和華是愛</a:t>
-            </a:r>
-            <a:endParaRPr lang="en-US" altLang="en-US" sz="4000" b="1" dirty="0">
-              <a:solidFill>
-                <a:srgbClr val="000066"/>
-              </a:solidFill>
-              <a:latin typeface="微軟正黑體" pitchFamily="34" charset="-120"/>
-              <a:ea typeface="微軟正黑體" pitchFamily="34" charset="-120"/>
-            </a:endParaRPr>
-          </a:p>
-        </p:txBody>
-      </p:sp>
-      <p:sp>
-        <p:nvSpPr>
-          <p:cNvPr id="5" name="Content Placeholder 4"/>
-          <p:cNvSpPr>
-            <a:spLocks noGrp="1"/>
-          </p:cNvSpPr>
-          <p:nvPr>
-            <p:ph idx="1"/>
-          </p:nvPr>
-        </p:nvSpPr>
-        <p:spPr/>
-        <p:txBody>
-          <a:bodyPr>
-            <a:noAutofit/>
-          </a:bodyPr>
-          <a:lstStyle/>
-          <a:p>
-            <a:pPr algn="ctr">
-              <a:buNone/>
-              <a:defRPr/>
-            </a:pPr>
-            <a:r>
-              <a:rPr lang="zh-TW" altLang="en-US" sz="4800" b="1" spc="50" dirty="0">
-                <a:ln w="11430"/>
-                <a:solidFill>
-                  <a:srgbClr val="000066"/>
-                </a:solidFill>
-                <a:latin typeface="微軟正黑體" pitchFamily="34" charset="-120"/>
-                <a:ea typeface="微軟正黑體" pitchFamily="34" charset="-120"/>
-              </a:rPr>
-              <a:t>在世間主恩與共</a:t>
+              <a:t>神令我省察心中的幽暗</a:t>
             </a:r>
             <a:endParaRPr lang="en-US" altLang="zh-TW" sz="4800" b="1" spc="50" dirty="0">
               <a:ln w="11430"/>
@@ -3574,81 +3381,105 @@
                 <a:latin typeface="微軟正黑體" pitchFamily="34" charset="-120"/>
                 <a:ea typeface="微軟正黑體" pitchFamily="34" charset="-120"/>
               </a:rPr>
-              <a:t>祂的愛存在常無盡</a:t>
-            </a:r>
-            <a:endParaRPr lang="en-US" altLang="zh-TW" sz="4800" b="1" spc="50" dirty="0">
-              <a:ln w="11430"/>
+              <a:t>共</a:t>
+            </a:r>
+            <a:r>
+              <a:rPr lang="zh-CN" altLang="en-US" sz="4800" b="1" spc="50" dirty="0">
+                <a:ln w="11430"/>
+                <a:solidFill>
+                  <a:srgbClr val="000066"/>
+                </a:solidFill>
+                <a:latin typeface="微軟正黑體" pitchFamily="34" charset="-120"/>
+                <a:ea typeface="微軟正黑體" pitchFamily="34" charset="-120"/>
+              </a:rPr>
+              <a:t>同</a:t>
+            </a:r>
+            <a:r>
+              <a:rPr lang="zh-TW" altLang="en-US" sz="4800" b="1" spc="50" dirty="0">
+                <a:ln w="11430"/>
+                <a:solidFill>
+                  <a:srgbClr val="000066"/>
+                </a:solidFill>
+                <a:latin typeface="微軟正黑體" pitchFamily="34" charset="-120"/>
+                <a:ea typeface="微軟正黑體" pitchFamily="34" charset="-120"/>
+              </a:rPr>
+              <a:t>度每一天 </a:t>
+            </a:r>
+          </a:p>
+        </p:txBody>
+      </p:sp>
+      <p:sp>
+        <p:nvSpPr>
+          <p:cNvPr id="3" name="TextBox 2"/>
+          <p:cNvSpPr txBox="1"/>
+          <p:nvPr/>
+        </p:nvSpPr>
+        <p:spPr>
+          <a:xfrm>
+            <a:off x="0" y="3867894"/>
+            <a:ext cx="9144000" cy="461665"/>
+          </a:xfrm>
+          <a:prstGeom prst="rect">
+            <a:avLst/>
+          </a:prstGeom>
+          <a:noFill/>
+        </p:spPr>
+        <p:txBody>
+          <a:bodyPr wrap="square" rtlCol="0">
+            <a:spAutoFit/>
+          </a:bodyPr>
+          <a:lstStyle/>
+          <a:p>
+            <a:pPr algn="ctr"/>
+            <a:r>
+              <a:rPr lang="en-US" sz="2400" b="1" dirty="0" smtClean="0">
+                <a:solidFill>
+                  <a:srgbClr val="000066"/>
+                </a:solidFill>
+                <a:latin typeface="Microsoft JhengHei" panose="020B0604030504040204" pitchFamily="34" charset="-120"/>
+                <a:ea typeface="Microsoft JhengHei" panose="020B0604030504040204" pitchFamily="34" charset="-120"/>
+              </a:rPr>
+              <a:t>( </a:t>
+            </a:r>
+            <a:r>
+              <a:rPr lang="zh-CN" altLang="en-US" sz="2400" b="1" dirty="0" smtClean="0">
+                <a:solidFill>
+                  <a:srgbClr val="000066"/>
+                </a:solidFill>
+                <a:latin typeface="Microsoft JhengHei" panose="020B0604030504040204" pitchFamily="34" charset="-120"/>
+                <a:ea typeface="Microsoft JhengHei" panose="020B0604030504040204" pitchFamily="34" charset="-120"/>
+              </a:rPr>
+              <a:t>正</a:t>
+            </a:r>
+            <a:r>
+              <a:rPr lang="en-US" sz="2400" b="1" dirty="0" smtClean="0">
+                <a:solidFill>
+                  <a:srgbClr val="000066"/>
+                </a:solidFill>
+                <a:latin typeface="Microsoft JhengHei" panose="020B0604030504040204" pitchFamily="34" charset="-120"/>
+                <a:ea typeface="Microsoft JhengHei" panose="020B0604030504040204" pitchFamily="34" charset="-120"/>
+              </a:rPr>
+              <a:t> )</a:t>
+            </a:r>
+            <a:endParaRPr lang="vi-VN" sz="2400" b="1" dirty="0">
               <a:solidFill>
                 <a:srgbClr val="000066"/>
               </a:solidFill>
-              <a:latin typeface="微軟正黑體" pitchFamily="34" charset="-120"/>
-              <a:ea typeface="微軟正黑體" pitchFamily="34" charset="-120"/>
+              <a:ea typeface="Microsoft JhengHei" panose="020B0604030504040204" pitchFamily="34" charset="-120"/>
             </a:endParaRPr>
           </a:p>
-          <a:p>
-            <a:pPr algn="ctr">
-              <a:buNone/>
-              <a:defRPr/>
-            </a:pPr>
-            <a:r>
-              <a:rPr lang="zh-TW" altLang="en-US" sz="4800" b="1" spc="50" dirty="0">
-                <a:ln w="11430"/>
-                <a:solidFill>
-                  <a:srgbClr val="000066"/>
-                </a:solidFill>
-                <a:latin typeface="微軟正黑體" pitchFamily="34" charset="-120"/>
-                <a:ea typeface="微軟正黑體" pitchFamily="34" charset="-120"/>
-              </a:rPr>
-              <a:t>神為我施恩惠 保守勉勵</a:t>
-            </a:r>
-            <a:endParaRPr lang="en-US" altLang="zh-TW" sz="4800" b="1" spc="50" dirty="0">
-              <a:ln w="11430"/>
-              <a:solidFill>
-                <a:srgbClr val="000066"/>
-              </a:solidFill>
-              <a:latin typeface="微軟正黑體" pitchFamily="34" charset="-120"/>
-              <a:ea typeface="微軟正黑體" pitchFamily="34" charset="-120"/>
-            </a:endParaRPr>
-          </a:p>
-          <a:p>
-            <a:pPr algn="ctr">
-              <a:buNone/>
-              <a:defRPr/>
-            </a:pPr>
-            <a:r>
-              <a:rPr lang="zh-TW" altLang="en-US" sz="4800" b="1" spc="50" dirty="0">
-                <a:ln w="11430"/>
-                <a:solidFill>
-                  <a:srgbClr val="000066"/>
-                </a:solidFill>
-                <a:latin typeface="微軟正黑體" pitchFamily="34" charset="-120"/>
-                <a:ea typeface="微軟正黑體" pitchFamily="34" charset="-120"/>
-              </a:rPr>
-              <a:t>共同渡此世</a:t>
-            </a:r>
-            <a:endParaRPr lang="zh-TW" altLang="en-US" sz="4800" b="1" spc="50" dirty="0">
-              <a:ln w="11430"/>
-              <a:solidFill>
-                <a:srgbClr val="000066"/>
-              </a:solidFill>
-              <a:latin typeface="微軟正黑體" pitchFamily="34" charset="-120"/>
-              <a:ea typeface="微軟正黑體" pitchFamily="34" charset="-120"/>
-            </a:endParaRPr>
-          </a:p>
         </p:txBody>
       </p:sp>
     </p:spTree>
+    <p:extLst>
+      <p:ext uri="{BB962C8B-B14F-4D97-AF65-F5344CB8AC3E}">
+        <p14:creationId xmlns:p14="http://schemas.microsoft.com/office/powerpoint/2010/main" val="1415154280"/>
+      </p:ext>
+    </p:extLst>
   </p:cSld>
   <p:clrMapOvr>
     <a:masterClrMapping/>
   </p:clrMapOvr>
-  <p:timing>
-    <p:tnLst>
-      <p:par>
-        <p:cTn id="1" dur="indefinite" restart="never" nodeType="tmRoot"/>
-      </p:par>
-    </p:tnLst>
-  </p:timing>
 </p:sld>
 </file>
 
@@ -3671,55 +3502,23 @@
       </p:grpSpPr>
       <p:sp>
         <p:nvSpPr>
-          <p:cNvPr id="4" name="Title 3"/>
-          <p:cNvSpPr>
-            <a:spLocks noGrp="1"/>
-          </p:cNvSpPr>
-          <p:nvPr>
-            <p:ph type="title"/>
-          </p:nvPr>
-        </p:nvSpPr>
-        <p:spPr/>
-        <p:txBody>
-          <a:bodyPr>
+          <p:cNvPr id="5" name="內容版面配置區 4"/>
+          <p:cNvSpPr>
+            <a:spLocks noGrp="1"/>
+          </p:cNvSpPr>
+          <p:nvPr>
+            <p:ph idx="1"/>
+          </p:nvPr>
+        </p:nvSpPr>
+        <p:spPr>
+          <a:xfrm>
+            <a:off x="0" y="1563638"/>
+            <a:ext cx="9144000" cy="1803647"/>
+          </a:xfrm>
+        </p:spPr>
+        <p:txBody>
+          <a:bodyPr anchor="ctr">
             <a:normAutofit/>
-          </a:bodyPr>
-          <a:lstStyle/>
-          <a:p>
-            <a:r>
-              <a:rPr lang="zh-TW" altLang="en-US" sz="4000" b="1" dirty="0">
-                <a:solidFill>
-                  <a:srgbClr val="000066"/>
-                </a:solidFill>
-                <a:latin typeface="微軟正黑體" pitchFamily="34" charset="-120"/>
-                <a:ea typeface="微軟正黑體" pitchFamily="34" charset="-120"/>
-              </a:rPr>
-              <a:t>耶和華是愛</a:t>
-            </a:r>
-            <a:endParaRPr lang="en-US" altLang="en-US" sz="4000" b="1" dirty="0">
-              <a:solidFill>
-                <a:srgbClr val="000066"/>
-              </a:solidFill>
-              <a:latin typeface="微軟正黑體" pitchFamily="34" charset="-120"/>
-              <a:ea typeface="微軟正黑體" pitchFamily="34" charset="-120"/>
-            </a:endParaRPr>
-          </a:p>
-        </p:txBody>
-      </p:sp>
-      <p:sp>
-        <p:nvSpPr>
-          <p:cNvPr id="5" name="Content Placeholder 4"/>
-          <p:cNvSpPr>
-            <a:spLocks noGrp="1"/>
-          </p:cNvSpPr>
-          <p:nvPr>
-            <p:ph idx="1"/>
-          </p:nvPr>
-        </p:nvSpPr>
-        <p:spPr/>
-        <p:txBody>
-          <a:bodyPr>
-            <a:noAutofit/>
           </a:bodyPr>
           <a:lstStyle/>
           <a:p>
@@ -3761,7 +3560,169 @@
                 <a:latin typeface="微軟正黑體" pitchFamily="34" charset="-120"/>
                 <a:ea typeface="微軟正黑體" pitchFamily="34" charset="-120"/>
               </a:rPr>
-              <a:t>讓我安身青草溪水邊</a:t>
+              <a:t>在困境中祂保守引</a:t>
+            </a:r>
+            <a:r>
+              <a:rPr lang="zh-CN" altLang="en-US" sz="4800" b="1" spc="50" dirty="0">
+                <a:ln w="11430"/>
+                <a:solidFill>
+                  <a:srgbClr val="000066"/>
+                </a:solidFill>
+                <a:latin typeface="微軟正黑體" pitchFamily="34" charset="-120"/>
+                <a:ea typeface="微軟正黑體" pitchFamily="34" charset="-120"/>
+              </a:rPr>
+              <a:t>牽</a:t>
+            </a:r>
+            <a:endParaRPr lang="zh-TW" altLang="en-US" sz="4800" b="1" spc="50" dirty="0">
+              <a:ln w="11430"/>
+              <a:solidFill>
+                <a:srgbClr val="000066"/>
+              </a:solidFill>
+              <a:latin typeface="微軟正黑體" pitchFamily="34" charset="-120"/>
+              <a:ea typeface="微軟正黑體" pitchFamily="34" charset="-120"/>
+            </a:endParaRPr>
+          </a:p>
+        </p:txBody>
+      </p:sp>
+      <p:sp>
+        <p:nvSpPr>
+          <p:cNvPr id="3" name="TextBox 2"/>
+          <p:cNvSpPr txBox="1"/>
+          <p:nvPr/>
+        </p:nvSpPr>
+        <p:spPr>
+          <a:xfrm>
+            <a:off x="0" y="3867894"/>
+            <a:ext cx="9144000" cy="461665"/>
+          </a:xfrm>
+          <a:prstGeom prst="rect">
+            <a:avLst/>
+          </a:prstGeom>
+          <a:noFill/>
+        </p:spPr>
+        <p:txBody>
+          <a:bodyPr wrap="square" rtlCol="0">
+            <a:spAutoFit/>
+          </a:bodyPr>
+          <a:lstStyle/>
+          <a:p>
+            <a:pPr algn="ctr"/>
+            <a:r>
+              <a:rPr lang="en-US" sz="2400" b="1" dirty="0" smtClean="0">
+                <a:solidFill>
+                  <a:srgbClr val="000066"/>
+                </a:solidFill>
+                <a:latin typeface="Microsoft JhengHei" panose="020B0604030504040204" pitchFamily="34" charset="-120"/>
+                <a:ea typeface="Microsoft JhengHei" panose="020B0604030504040204" pitchFamily="34" charset="-120"/>
+              </a:rPr>
+              <a:t>( </a:t>
+            </a:r>
+            <a:r>
+              <a:rPr lang="zh-CN" altLang="en-US" sz="2400" b="1" dirty="0" smtClean="0">
+                <a:solidFill>
+                  <a:srgbClr val="000066"/>
+                </a:solidFill>
+                <a:latin typeface="Microsoft JhengHei" panose="020B0604030504040204" pitchFamily="34" charset="-120"/>
+                <a:ea typeface="Microsoft JhengHei" panose="020B0604030504040204" pitchFamily="34" charset="-120"/>
+              </a:rPr>
+              <a:t>正</a:t>
+            </a:r>
+            <a:r>
+              <a:rPr lang="en-US" sz="2400" b="1" dirty="0" smtClean="0">
+                <a:solidFill>
+                  <a:srgbClr val="000066"/>
+                </a:solidFill>
+                <a:latin typeface="Microsoft JhengHei" panose="020B0604030504040204" pitchFamily="34" charset="-120"/>
+                <a:ea typeface="Microsoft JhengHei" panose="020B0604030504040204" pitchFamily="34" charset="-120"/>
+              </a:rPr>
+              <a:t> )</a:t>
+            </a:r>
+            <a:endParaRPr lang="vi-VN" sz="2400" b="1" dirty="0">
+              <a:solidFill>
+                <a:srgbClr val="000066"/>
+              </a:solidFill>
+              <a:ea typeface="Microsoft JhengHei" panose="020B0604030504040204" pitchFamily="34" charset="-120"/>
+            </a:endParaRPr>
+          </a:p>
+        </p:txBody>
+      </p:sp>
+    </p:spTree>
+    <p:extLst>
+      <p:ext uri="{BB962C8B-B14F-4D97-AF65-F5344CB8AC3E}">
+        <p14:creationId xmlns:p14="http://schemas.microsoft.com/office/powerpoint/2010/main" val="1278926144"/>
+      </p:ext>
+    </p:extLst>
+  </p:cSld>
+  <p:clrMapOvr>
+    <a:masterClrMapping/>
+  </p:clrMapOvr>
+</p:sld>
+</file>
+
+<file path=ppt/slides/slide5.xml><?xml version="1.0" encoding="utf-8"?>
+<p:sld xmlns:a="http://schemas.openxmlformats.org/drawingml/2006/main" xmlns:r="http://schemas.openxmlformats.org/officeDocument/2006/relationships" xmlns:p="http://schemas.openxmlformats.org/presentationml/2006/main">
+  <p:cSld>
+    <p:spTree>
+      <p:nvGrpSpPr>
+        <p:cNvPr id="1" name=""/>
+        <p:cNvGrpSpPr/>
+        <p:nvPr/>
+      </p:nvGrpSpPr>
+      <p:grpSpPr>
+        <a:xfrm>
+          <a:off x="0" y="0"/>
+          <a:ext cx="0" cy="0"/>
+          <a:chOff x="0" y="0"/>
+          <a:chExt cx="0" cy="0"/>
+        </a:xfrm>
+      </p:grpSpPr>
+      <p:sp>
+        <p:nvSpPr>
+          <p:cNvPr id="5" name="內容版面配置區 4"/>
+          <p:cNvSpPr>
+            <a:spLocks noGrp="1"/>
+          </p:cNvSpPr>
+          <p:nvPr>
+            <p:ph idx="1"/>
+          </p:nvPr>
+        </p:nvSpPr>
+        <p:spPr>
+          <a:xfrm>
+            <a:off x="0" y="1563638"/>
+            <a:ext cx="9144000" cy="1803647"/>
+          </a:xfrm>
+        </p:spPr>
+        <p:txBody>
+          <a:bodyPr anchor="ctr">
+            <a:normAutofit/>
+          </a:bodyPr>
+          <a:lstStyle/>
+          <a:p>
+            <a:pPr algn="ctr">
+              <a:buNone/>
+              <a:defRPr/>
+            </a:pPr>
+            <a:r>
+              <a:rPr lang="zh-TW" altLang="en-US" sz="4800" b="1" spc="50" dirty="0">
+                <a:ln w="11430"/>
+                <a:solidFill>
+                  <a:srgbClr val="000066"/>
+                </a:solidFill>
+                <a:latin typeface="微軟正黑體" pitchFamily="34" charset="-120"/>
+                <a:ea typeface="微軟正黑體" pitchFamily="34" charset="-120"/>
+              </a:rPr>
+              <a:t>神為我擺設</a:t>
+            </a:r>
+            <a:r>
+              <a:rPr lang="zh-CN" altLang="en-US" sz="4800" b="1" spc="50" dirty="0">
+                <a:ln w="11430"/>
+                <a:solidFill>
+                  <a:srgbClr val="000066"/>
+                </a:solidFill>
+                <a:latin typeface="微軟正黑體" pitchFamily="34" charset="-120"/>
+                <a:ea typeface="微軟正黑體" pitchFamily="34" charset="-120"/>
+              </a:rPr>
+              <a:t>豐足的恩惠</a:t>
             </a:r>
             <a:endParaRPr lang="en-US" altLang="zh-TW" sz="4800" b="1" spc="50" dirty="0">
               <a:ln w="11430"/>
@@ -3786,7 +3747,147 @@
                 <a:latin typeface="微軟正黑體" pitchFamily="34" charset="-120"/>
                 <a:ea typeface="微軟正黑體" pitchFamily="34" charset="-120"/>
               </a:rPr>
-              <a:t>無限滿足快樂湧於心裡</a:t>
+              <a:t>在危難也不改變</a:t>
+            </a:r>
+            <a:endParaRPr lang="zh-TW" altLang="en-US" sz="4800" b="1" spc="50" dirty="0">
+              <a:ln w="11430"/>
+              <a:solidFill>
+                <a:srgbClr val="000066"/>
+              </a:solidFill>
+              <a:latin typeface="微軟正黑體" pitchFamily="34" charset="-120"/>
+              <a:ea typeface="微軟正黑體" pitchFamily="34" charset="-120"/>
+            </a:endParaRPr>
+          </a:p>
+        </p:txBody>
+      </p:sp>
+      <p:sp>
+        <p:nvSpPr>
+          <p:cNvPr id="3" name="TextBox 2"/>
+          <p:cNvSpPr txBox="1"/>
+          <p:nvPr/>
+        </p:nvSpPr>
+        <p:spPr>
+          <a:xfrm>
+            <a:off x="0" y="3867894"/>
+            <a:ext cx="9144000" cy="461665"/>
+          </a:xfrm>
+          <a:prstGeom prst="rect">
+            <a:avLst/>
+          </a:prstGeom>
+          <a:noFill/>
+        </p:spPr>
+        <p:txBody>
+          <a:bodyPr wrap="square" rtlCol="0">
+            <a:spAutoFit/>
+          </a:bodyPr>
+          <a:lstStyle/>
+          <a:p>
+            <a:pPr algn="ctr"/>
+            <a:r>
+              <a:rPr lang="en-US" sz="2400" b="1" dirty="0" smtClean="0">
+                <a:solidFill>
+                  <a:srgbClr val="000066"/>
+                </a:solidFill>
+                <a:latin typeface="Microsoft JhengHei" panose="020B0604030504040204" pitchFamily="34" charset="-120"/>
+                <a:ea typeface="Microsoft JhengHei" panose="020B0604030504040204" pitchFamily="34" charset="-120"/>
+              </a:rPr>
+              <a:t>( </a:t>
+            </a:r>
+            <a:r>
+              <a:rPr lang="zh-CN" altLang="en-US" sz="2400" b="1" dirty="0" smtClean="0">
+                <a:solidFill>
+                  <a:srgbClr val="000066"/>
+                </a:solidFill>
+                <a:latin typeface="Microsoft JhengHei" panose="020B0604030504040204" pitchFamily="34" charset="-120"/>
+                <a:ea typeface="Microsoft JhengHei" panose="020B0604030504040204" pitchFamily="34" charset="-120"/>
+              </a:rPr>
+              <a:t>正</a:t>
+            </a:r>
+            <a:r>
+              <a:rPr lang="en-US" sz="2400" b="1" dirty="0" smtClean="0">
+                <a:solidFill>
+                  <a:srgbClr val="000066"/>
+                </a:solidFill>
+                <a:latin typeface="Microsoft JhengHei" panose="020B0604030504040204" pitchFamily="34" charset="-120"/>
+                <a:ea typeface="Microsoft JhengHei" panose="020B0604030504040204" pitchFamily="34" charset="-120"/>
+              </a:rPr>
+              <a:t> )</a:t>
+            </a:r>
+            <a:endParaRPr lang="vi-VN" sz="2400" b="1" dirty="0">
+              <a:solidFill>
+                <a:srgbClr val="000066"/>
+              </a:solidFill>
+              <a:ea typeface="Microsoft JhengHei" panose="020B0604030504040204" pitchFamily="34" charset="-120"/>
+            </a:endParaRPr>
+          </a:p>
+        </p:txBody>
+      </p:sp>
+    </p:spTree>
+    <p:extLst>
+      <p:ext uri="{BB962C8B-B14F-4D97-AF65-F5344CB8AC3E}">
+        <p14:creationId xmlns:p14="http://schemas.microsoft.com/office/powerpoint/2010/main" val="481540566"/>
+      </p:ext>
+    </p:extLst>
+  </p:cSld>
+  <p:clrMapOvr>
+    <a:masterClrMapping/>
+  </p:clrMapOvr>
+</p:sld>
+</file>
+
+<file path=ppt/slides/slide6.xml><?xml version="1.0" encoding="utf-8"?>
+<p:sld xmlns:a="http://schemas.openxmlformats.org/drawingml/2006/main" xmlns:r="http://schemas.openxmlformats.org/officeDocument/2006/relationships" xmlns:p="http://schemas.openxmlformats.org/presentationml/2006/main">
+  <p:cSld>
+    <p:spTree>
+      <p:nvGrpSpPr>
+        <p:cNvPr id="1" name=""/>
+        <p:cNvGrpSpPr/>
+        <p:nvPr/>
+      </p:nvGrpSpPr>
+      <p:grpSpPr>
+        <a:xfrm>
+          <a:off x="0" y="0"/>
+          <a:ext cx="0" cy="0"/>
+          <a:chOff x="0" y="0"/>
+          <a:chExt cx="0" cy="0"/>
+        </a:xfrm>
+      </p:grpSpPr>
+      <p:sp>
+        <p:nvSpPr>
+          <p:cNvPr id="5" name="內容版面配置區 4"/>
+          <p:cNvSpPr>
+            <a:spLocks noGrp="1"/>
+          </p:cNvSpPr>
+          <p:nvPr>
+            <p:ph idx="1"/>
+          </p:nvPr>
+        </p:nvSpPr>
+        <p:spPr>
+          <a:xfrm>
+            <a:off x="0" y="1563638"/>
+            <a:ext cx="9144000" cy="1803647"/>
+          </a:xfrm>
+        </p:spPr>
+        <p:txBody>
+          <a:bodyPr anchor="ctr">
+            <a:normAutofit/>
+          </a:bodyPr>
+          <a:lstStyle/>
+          <a:p>
+            <a:pPr algn="ctr">
+              <a:buNone/>
+              <a:defRPr/>
+            </a:pPr>
+            <a:r>
+              <a:rPr lang="zh-TW" altLang="en-US" sz="4800" b="1" spc="50" dirty="0">
+                <a:ln w="11430"/>
+                <a:solidFill>
+                  <a:srgbClr val="000066"/>
+                </a:solidFill>
+                <a:latin typeface="微軟正黑體" pitchFamily="34" charset="-120"/>
+                <a:ea typeface="微軟正黑體" pitchFamily="34" charset="-120"/>
+              </a:rPr>
+              <a:t>在世間主恩與共</a:t>
             </a:r>
             <a:endParaRPr lang="en-US" altLang="zh-TW" sz="4800" b="1" spc="50" dirty="0">
               <a:ln w="11430"/>
@@ -3811,7 +3912,7 @@
                 <a:latin typeface="微軟正黑體" pitchFamily="34" charset="-120"/>
                 <a:ea typeface="微軟正黑體" pitchFamily="34" charset="-120"/>
               </a:rPr>
-              <a:t>在危難也不會變</a:t>
+              <a:t>祂的愛存在常無盡</a:t>
             </a:r>
             <a:endParaRPr lang="en-US" altLang="zh-TW" sz="4800" b="1" spc="50" dirty="0">
               <a:ln w="11430"/>
@@ -3824,18 +3925,613 @@
           </a:p>
         </p:txBody>
       </p:sp>
+      <p:sp>
+        <p:nvSpPr>
+          <p:cNvPr id="3" name="TextBox 2"/>
+          <p:cNvSpPr txBox="1"/>
+          <p:nvPr/>
+        </p:nvSpPr>
+        <p:spPr>
+          <a:xfrm>
+            <a:off x="0" y="3867894"/>
+            <a:ext cx="9144000" cy="461665"/>
+          </a:xfrm>
+          <a:prstGeom prst="rect">
+            <a:avLst/>
+          </a:prstGeom>
+          <a:noFill/>
+        </p:spPr>
+        <p:txBody>
+          <a:bodyPr wrap="square" rtlCol="0">
+            <a:spAutoFit/>
+          </a:bodyPr>
+          <a:lstStyle/>
+          <a:p>
+            <a:pPr algn="ctr"/>
+            <a:r>
+              <a:rPr lang="en-US" sz="2400" b="1" dirty="0" smtClean="0">
+                <a:solidFill>
+                  <a:srgbClr val="000066"/>
+                </a:solidFill>
+                <a:latin typeface="Microsoft JhengHei" panose="020B0604030504040204" pitchFamily="34" charset="-120"/>
+                <a:ea typeface="Microsoft JhengHei" panose="020B0604030504040204" pitchFamily="34" charset="-120"/>
+              </a:rPr>
+              <a:t>( </a:t>
+            </a:r>
+            <a:r>
+              <a:rPr lang="zh-CN" altLang="en-US" sz="2400" b="1" dirty="0" smtClean="0">
+                <a:solidFill>
+                  <a:srgbClr val="000066"/>
+                </a:solidFill>
+                <a:latin typeface="Microsoft JhengHei" panose="020B0604030504040204" pitchFamily="34" charset="-120"/>
+                <a:ea typeface="Microsoft JhengHei" panose="020B0604030504040204" pitchFamily="34" charset="-120"/>
+              </a:rPr>
+              <a:t>副</a:t>
+            </a:r>
+            <a:r>
+              <a:rPr lang="en-US" sz="2400" b="1" dirty="0" smtClean="0">
+                <a:solidFill>
+                  <a:srgbClr val="000066"/>
+                </a:solidFill>
+                <a:latin typeface="Microsoft JhengHei" panose="020B0604030504040204" pitchFamily="34" charset="-120"/>
+                <a:ea typeface="Microsoft JhengHei" panose="020B0604030504040204" pitchFamily="34" charset="-120"/>
+              </a:rPr>
+              <a:t> </a:t>
+            </a:r>
+            <a:r>
+              <a:rPr lang="en-US" sz="2400" b="1" dirty="0" smtClean="0">
+                <a:solidFill>
+                  <a:srgbClr val="000066"/>
+                </a:solidFill>
+                <a:latin typeface="Microsoft JhengHei" panose="020B0604030504040204" pitchFamily="34" charset="-120"/>
+                <a:ea typeface="Microsoft JhengHei" panose="020B0604030504040204" pitchFamily="34" charset="-120"/>
+              </a:rPr>
+              <a:t>)</a:t>
+            </a:r>
+            <a:endParaRPr lang="vi-VN" sz="2400" b="1" dirty="0">
+              <a:solidFill>
+                <a:srgbClr val="000066"/>
+              </a:solidFill>
+              <a:ea typeface="Microsoft JhengHei" panose="020B0604030504040204" pitchFamily="34" charset="-120"/>
+            </a:endParaRPr>
+          </a:p>
+        </p:txBody>
+      </p:sp>
     </p:spTree>
+    <p:extLst>
+      <p:ext uri="{BB962C8B-B14F-4D97-AF65-F5344CB8AC3E}">
+        <p14:creationId xmlns:p14="http://schemas.microsoft.com/office/powerpoint/2010/main" val="1378967097"/>
+      </p:ext>
+    </p:extLst>
   </p:cSld>
   <p:clrMapOvr>
     <a:masterClrMapping/>
   </p:clrMapOvr>
-  <p:timing>
-    <p:tnLst>
-      <p:par>
-        <p:cTn id="1" dur="indefinite" restart="never" nodeType="tmRoot"/>
-      </p:par>
-    </p:tnLst>
-  </p:timing>
+</p:sld>
+</file>
+
+<file path=ppt/slides/slide7.xml><?xml version="1.0" encoding="utf-8"?>
+<p:sld xmlns:a="http://schemas.openxmlformats.org/drawingml/2006/main" xmlns:r="http://schemas.openxmlformats.org/officeDocument/2006/relationships" xmlns:p="http://schemas.openxmlformats.org/presentationml/2006/main">
+  <p:cSld>
+    <p:spTree>
+      <p:nvGrpSpPr>
+        <p:cNvPr id="1" name=""/>
+        <p:cNvGrpSpPr/>
+        <p:nvPr/>
+      </p:nvGrpSpPr>
+      <p:grpSpPr>
+        <a:xfrm>
+          <a:off x="0" y="0"/>
+          <a:ext cx="0" cy="0"/>
+          <a:chOff x="0" y="0"/>
+          <a:chExt cx="0" cy="0"/>
+        </a:xfrm>
+      </p:grpSpPr>
+      <p:sp>
+        <p:nvSpPr>
+          <p:cNvPr id="5" name="內容版面配置區 4"/>
+          <p:cNvSpPr>
+            <a:spLocks noGrp="1"/>
+          </p:cNvSpPr>
+          <p:nvPr>
+            <p:ph idx="1"/>
+          </p:nvPr>
+        </p:nvSpPr>
+        <p:spPr>
+          <a:xfrm>
+            <a:off x="0" y="1563638"/>
+            <a:ext cx="9144000" cy="1803647"/>
+          </a:xfrm>
+        </p:spPr>
+        <p:txBody>
+          <a:bodyPr anchor="ctr">
+            <a:normAutofit/>
+          </a:bodyPr>
+          <a:lstStyle/>
+          <a:p>
+            <a:pPr algn="ctr">
+              <a:buNone/>
+              <a:defRPr/>
+            </a:pPr>
+            <a:r>
+              <a:rPr lang="zh-TW" altLang="en-US" sz="4800" b="1" spc="50" dirty="0">
+                <a:ln w="11430"/>
+                <a:solidFill>
+                  <a:srgbClr val="000066"/>
+                </a:solidFill>
+                <a:latin typeface="微軟正黑體" pitchFamily="34" charset="-120"/>
+                <a:ea typeface="微軟正黑體" pitchFamily="34" charset="-120"/>
+              </a:rPr>
+              <a:t>神為我施恩惠 保守勉勵</a:t>
+            </a:r>
+            <a:endParaRPr lang="en-US" altLang="zh-TW" sz="4800" b="1" spc="50" dirty="0">
+              <a:ln w="11430"/>
+              <a:solidFill>
+                <a:srgbClr val="000066"/>
+              </a:solidFill>
+              <a:latin typeface="微軟正黑體" pitchFamily="34" charset="-120"/>
+              <a:ea typeface="微軟正黑體" pitchFamily="34" charset="-120"/>
+            </a:endParaRPr>
+          </a:p>
+          <a:p>
+            <a:pPr algn="ctr">
+              <a:buNone/>
+              <a:defRPr/>
+            </a:pPr>
+            <a:r>
+              <a:rPr lang="zh-TW" altLang="en-US" sz="4800" b="1" spc="50" dirty="0">
+                <a:ln w="11430"/>
+                <a:solidFill>
+                  <a:srgbClr val="000066"/>
+                </a:solidFill>
+                <a:latin typeface="微軟正黑體" pitchFamily="34" charset="-120"/>
+                <a:ea typeface="微軟正黑體" pitchFamily="34" charset="-120"/>
+              </a:rPr>
+              <a:t>共同渡此世</a:t>
+            </a:r>
+            <a:endParaRPr lang="zh-TW" altLang="en-US" sz="4800" b="1" spc="50" dirty="0">
+              <a:ln w="11430"/>
+              <a:solidFill>
+                <a:srgbClr val="000066"/>
+              </a:solidFill>
+              <a:latin typeface="微軟正黑體" pitchFamily="34" charset="-120"/>
+              <a:ea typeface="微軟正黑體" pitchFamily="34" charset="-120"/>
+            </a:endParaRPr>
+          </a:p>
+        </p:txBody>
+      </p:sp>
+      <p:sp>
+        <p:nvSpPr>
+          <p:cNvPr id="3" name="TextBox 2"/>
+          <p:cNvSpPr txBox="1"/>
+          <p:nvPr/>
+        </p:nvSpPr>
+        <p:spPr>
+          <a:xfrm>
+            <a:off x="0" y="3867894"/>
+            <a:ext cx="9144000" cy="461665"/>
+          </a:xfrm>
+          <a:prstGeom prst="rect">
+            <a:avLst/>
+          </a:prstGeom>
+          <a:noFill/>
+        </p:spPr>
+        <p:txBody>
+          <a:bodyPr wrap="square" rtlCol="0">
+            <a:spAutoFit/>
+          </a:bodyPr>
+          <a:lstStyle/>
+          <a:p>
+            <a:pPr algn="ctr"/>
+            <a:r>
+              <a:rPr lang="en-US" sz="2400" b="1" dirty="0" smtClean="0">
+                <a:solidFill>
+                  <a:srgbClr val="000066"/>
+                </a:solidFill>
+                <a:latin typeface="Microsoft JhengHei" panose="020B0604030504040204" pitchFamily="34" charset="-120"/>
+                <a:ea typeface="Microsoft JhengHei" panose="020B0604030504040204" pitchFamily="34" charset="-120"/>
+              </a:rPr>
+              <a:t>( </a:t>
+            </a:r>
+            <a:r>
+              <a:rPr lang="zh-CN" altLang="en-US" sz="2400" b="1" dirty="0" smtClean="0">
+                <a:solidFill>
+                  <a:srgbClr val="000066"/>
+                </a:solidFill>
+                <a:latin typeface="Microsoft JhengHei" panose="020B0604030504040204" pitchFamily="34" charset="-120"/>
+                <a:ea typeface="Microsoft JhengHei" panose="020B0604030504040204" pitchFamily="34" charset="-120"/>
+              </a:rPr>
+              <a:t>副</a:t>
+            </a:r>
+            <a:r>
+              <a:rPr lang="en-US" sz="2400" b="1" dirty="0" smtClean="0">
+                <a:solidFill>
+                  <a:srgbClr val="000066"/>
+                </a:solidFill>
+                <a:latin typeface="Microsoft JhengHei" panose="020B0604030504040204" pitchFamily="34" charset="-120"/>
+                <a:ea typeface="Microsoft JhengHei" panose="020B0604030504040204" pitchFamily="34" charset="-120"/>
+              </a:rPr>
+              <a:t> </a:t>
+            </a:r>
+            <a:r>
+              <a:rPr lang="en-US" sz="2400" b="1" dirty="0" smtClean="0">
+                <a:solidFill>
+                  <a:srgbClr val="000066"/>
+                </a:solidFill>
+                <a:latin typeface="Microsoft JhengHei" panose="020B0604030504040204" pitchFamily="34" charset="-120"/>
+                <a:ea typeface="Microsoft JhengHei" panose="020B0604030504040204" pitchFamily="34" charset="-120"/>
+              </a:rPr>
+              <a:t>)</a:t>
+            </a:r>
+            <a:endParaRPr lang="vi-VN" sz="2400" b="1" dirty="0">
+              <a:solidFill>
+                <a:srgbClr val="000066"/>
+              </a:solidFill>
+              <a:ea typeface="Microsoft JhengHei" panose="020B0604030504040204" pitchFamily="34" charset="-120"/>
+            </a:endParaRPr>
+          </a:p>
+        </p:txBody>
+      </p:sp>
+    </p:spTree>
+    <p:extLst>
+      <p:ext uri="{BB962C8B-B14F-4D97-AF65-F5344CB8AC3E}">
+        <p14:creationId xmlns:p14="http://schemas.microsoft.com/office/powerpoint/2010/main" val="3735126798"/>
+      </p:ext>
+    </p:extLst>
+  </p:cSld>
+  <p:clrMapOvr>
+    <a:masterClrMapping/>
+  </p:clrMapOvr>
+</p:sld>
+</file>
+
+<file path=ppt/slides/slide8.xml><?xml version="1.0" encoding="utf-8"?>
+<p:sld xmlns:a="http://schemas.openxmlformats.org/drawingml/2006/main" xmlns:r="http://schemas.openxmlformats.org/officeDocument/2006/relationships" xmlns:p="http://schemas.openxmlformats.org/presentationml/2006/main">
+  <p:cSld>
+    <p:spTree>
+      <p:nvGrpSpPr>
+        <p:cNvPr id="1" name=""/>
+        <p:cNvGrpSpPr/>
+        <p:nvPr/>
+      </p:nvGrpSpPr>
+      <p:grpSpPr>
+        <a:xfrm>
+          <a:off x="0" y="0"/>
+          <a:ext cx="0" cy="0"/>
+          <a:chOff x="0" y="0"/>
+          <a:chExt cx="0" cy="0"/>
+        </a:xfrm>
+      </p:grpSpPr>
+      <p:sp>
+        <p:nvSpPr>
+          <p:cNvPr id="5" name="內容版面配置區 4"/>
+          <p:cNvSpPr>
+            <a:spLocks noGrp="1"/>
+          </p:cNvSpPr>
+          <p:nvPr>
+            <p:ph idx="1"/>
+          </p:nvPr>
+        </p:nvSpPr>
+        <p:spPr>
+          <a:xfrm>
+            <a:off x="0" y="1563638"/>
+            <a:ext cx="9144000" cy="1803647"/>
+          </a:xfrm>
+        </p:spPr>
+        <p:txBody>
+          <a:bodyPr anchor="ctr">
+            <a:normAutofit/>
+          </a:bodyPr>
+          <a:lstStyle/>
+          <a:p>
+            <a:pPr algn="ctr">
+              <a:buNone/>
+              <a:defRPr/>
+            </a:pPr>
+            <a:r>
+              <a:rPr lang="zh-TW" altLang="en-US" sz="4800" b="1" spc="50" dirty="0">
+                <a:ln w="11430"/>
+                <a:solidFill>
+                  <a:srgbClr val="000066"/>
+                </a:solidFill>
+                <a:latin typeface="微軟正黑體" pitchFamily="34" charset="-120"/>
+                <a:ea typeface="微軟正黑體" pitchFamily="34" charset="-120"/>
+              </a:rPr>
+              <a:t>耶和華是愛</a:t>
+            </a:r>
+            <a:endParaRPr lang="en-US" altLang="zh-TW" sz="4800" b="1" spc="50" dirty="0">
+              <a:ln w="11430"/>
+              <a:solidFill>
+                <a:srgbClr val="000066"/>
+              </a:solidFill>
+              <a:latin typeface="微軟正黑體" pitchFamily="34" charset="-120"/>
+              <a:ea typeface="微軟正黑體" pitchFamily="34" charset="-120"/>
+            </a:endParaRPr>
+          </a:p>
+          <a:p>
+            <a:pPr algn="ctr">
+              <a:buNone/>
+              <a:defRPr/>
+            </a:pPr>
+            <a:r>
+              <a:rPr lang="zh-TW" altLang="en-US" sz="4800" b="1" spc="50" dirty="0">
+                <a:ln w="11430"/>
+                <a:solidFill>
+                  <a:srgbClr val="000066"/>
+                </a:solidFill>
+                <a:latin typeface="微軟正黑體" pitchFamily="34" charset="-120"/>
+                <a:ea typeface="微軟正黑體" pitchFamily="34" charset="-120"/>
+              </a:rPr>
+              <a:t>讓我安身青草溪水邊</a:t>
+            </a:r>
+            <a:endParaRPr lang="en-US" altLang="zh-TW" sz="4800" b="1" spc="50" dirty="0">
+              <a:ln w="11430"/>
+              <a:solidFill>
+                <a:srgbClr val="000066"/>
+              </a:solidFill>
+              <a:latin typeface="微軟正黑體" pitchFamily="34" charset="-120"/>
+              <a:ea typeface="微軟正黑體" pitchFamily="34" charset="-120"/>
+            </a:endParaRPr>
+          </a:p>
+        </p:txBody>
+      </p:sp>
+      <p:sp>
+        <p:nvSpPr>
+          <p:cNvPr id="3" name="TextBox 2"/>
+          <p:cNvSpPr txBox="1"/>
+          <p:nvPr/>
+        </p:nvSpPr>
+        <p:spPr>
+          <a:xfrm>
+            <a:off x="0" y="3867894"/>
+            <a:ext cx="9144000" cy="461665"/>
+          </a:xfrm>
+          <a:prstGeom prst="rect">
+            <a:avLst/>
+          </a:prstGeom>
+          <a:noFill/>
+        </p:spPr>
+        <p:txBody>
+          <a:bodyPr wrap="square" rtlCol="0">
+            <a:spAutoFit/>
+          </a:bodyPr>
+          <a:lstStyle/>
+          <a:p>
+            <a:pPr algn="ctr"/>
+            <a:r>
+              <a:rPr lang="en-US" sz="2400" b="1" dirty="0" smtClean="0">
+                <a:solidFill>
+                  <a:srgbClr val="000066"/>
+                </a:solidFill>
+                <a:latin typeface="Microsoft JhengHei" panose="020B0604030504040204" pitchFamily="34" charset="-120"/>
+                <a:ea typeface="Microsoft JhengHei" panose="020B0604030504040204" pitchFamily="34" charset="-120"/>
+              </a:rPr>
+              <a:t>( </a:t>
+            </a:r>
+            <a:r>
+              <a:rPr lang="zh-CN" altLang="en-US" sz="2400" b="1" dirty="0" smtClean="0">
+                <a:solidFill>
+                  <a:srgbClr val="000066"/>
+                </a:solidFill>
+                <a:latin typeface="Microsoft JhengHei" panose="020B0604030504040204" pitchFamily="34" charset="-120"/>
+                <a:ea typeface="Microsoft JhengHei" panose="020B0604030504040204" pitchFamily="34" charset="-120"/>
+              </a:rPr>
+              <a:t>副</a:t>
+            </a:r>
+            <a:r>
+              <a:rPr lang="en-US" sz="2400" b="1" dirty="0" smtClean="0">
+                <a:solidFill>
+                  <a:srgbClr val="000066"/>
+                </a:solidFill>
+                <a:latin typeface="Microsoft JhengHei" panose="020B0604030504040204" pitchFamily="34" charset="-120"/>
+                <a:ea typeface="Microsoft JhengHei" panose="020B0604030504040204" pitchFamily="34" charset="-120"/>
+              </a:rPr>
+              <a:t> </a:t>
+            </a:r>
+            <a:r>
+              <a:rPr lang="en-US" sz="2400" b="1" dirty="0" smtClean="0">
+                <a:solidFill>
+                  <a:srgbClr val="000066"/>
+                </a:solidFill>
+                <a:latin typeface="Microsoft JhengHei" panose="020B0604030504040204" pitchFamily="34" charset="-120"/>
+                <a:ea typeface="Microsoft JhengHei" panose="020B0604030504040204" pitchFamily="34" charset="-120"/>
+              </a:rPr>
+              <a:t>)</a:t>
+            </a:r>
+            <a:endParaRPr lang="vi-VN" sz="2400" b="1" dirty="0">
+              <a:solidFill>
+                <a:srgbClr val="000066"/>
+              </a:solidFill>
+              <a:ea typeface="Microsoft JhengHei" panose="020B0604030504040204" pitchFamily="34" charset="-120"/>
+            </a:endParaRPr>
+          </a:p>
+        </p:txBody>
+      </p:sp>
+    </p:spTree>
+    <p:extLst>
+      <p:ext uri="{BB962C8B-B14F-4D97-AF65-F5344CB8AC3E}">
+        <p14:creationId xmlns:p14="http://schemas.microsoft.com/office/powerpoint/2010/main" val="164488335"/>
+      </p:ext>
+    </p:extLst>
+  </p:cSld>
+  <p:clrMapOvr>
+    <a:masterClrMapping/>
+  </p:clrMapOvr>
+</p:sld>
+</file>
+
+<file path=ppt/slides/slide9.xml><?xml version="1.0" encoding="utf-8"?>
+<p:sld xmlns:a="http://schemas.openxmlformats.org/drawingml/2006/main" xmlns:r="http://schemas.openxmlformats.org/officeDocument/2006/relationships" xmlns:p="http://schemas.openxmlformats.org/presentationml/2006/main">
+  <p:cSld>
+    <p:spTree>
+      <p:nvGrpSpPr>
+        <p:cNvPr id="1" name=""/>
+        <p:cNvGrpSpPr/>
+        <p:nvPr/>
+      </p:nvGrpSpPr>
+      <p:grpSpPr>
+        <a:xfrm>
+          <a:off x="0" y="0"/>
+          <a:ext cx="0" cy="0"/>
+          <a:chOff x="0" y="0"/>
+          <a:chExt cx="0" cy="0"/>
+        </a:xfrm>
+      </p:grpSpPr>
+      <p:sp>
+        <p:nvSpPr>
+          <p:cNvPr id="5" name="內容版面配置區 4"/>
+          <p:cNvSpPr>
+            <a:spLocks noGrp="1"/>
+          </p:cNvSpPr>
+          <p:nvPr>
+            <p:ph idx="1"/>
+          </p:nvPr>
+        </p:nvSpPr>
+        <p:spPr>
+          <a:xfrm>
+            <a:off x="0" y="1563638"/>
+            <a:ext cx="9144000" cy="1803647"/>
+          </a:xfrm>
+        </p:spPr>
+        <p:txBody>
+          <a:bodyPr anchor="ctr">
+            <a:normAutofit/>
+          </a:bodyPr>
+          <a:lstStyle/>
+          <a:p>
+            <a:pPr algn="ctr">
+              <a:buNone/>
+              <a:defRPr/>
+            </a:pPr>
+            <a:r>
+              <a:rPr lang="zh-TW" altLang="en-US" sz="4800" b="1" spc="50" dirty="0">
+                <a:ln w="11430"/>
+                <a:solidFill>
+                  <a:srgbClr val="000066"/>
+                </a:solidFill>
+                <a:latin typeface="微軟正黑體" pitchFamily="34" charset="-120"/>
+                <a:ea typeface="微軟正黑體" pitchFamily="34" charset="-120"/>
+              </a:rPr>
+              <a:t>無限滿足快樂湧於心裡</a:t>
+            </a:r>
+            <a:endParaRPr lang="en-US" altLang="zh-TW" sz="4800" b="1" spc="50" dirty="0">
+              <a:ln w="11430"/>
+              <a:solidFill>
+                <a:srgbClr val="000066"/>
+              </a:solidFill>
+              <a:latin typeface="微軟正黑體" pitchFamily="34" charset="-120"/>
+              <a:ea typeface="微軟正黑體" pitchFamily="34" charset="-120"/>
+            </a:endParaRPr>
+          </a:p>
+          <a:p>
+            <a:pPr algn="ctr">
+              <a:buNone/>
+              <a:defRPr/>
+            </a:pPr>
+            <a:r>
+              <a:rPr lang="zh-TW" altLang="en-US" sz="4800" b="1" spc="50" dirty="0">
+                <a:ln w="11430"/>
+                <a:solidFill>
+                  <a:srgbClr val="000066"/>
+                </a:solidFill>
+                <a:latin typeface="微軟正黑體" pitchFamily="34" charset="-120"/>
+                <a:ea typeface="微軟正黑體" pitchFamily="34" charset="-120"/>
+              </a:rPr>
+              <a:t>在危難也不會變</a:t>
+            </a:r>
+            <a:endParaRPr lang="en-US" altLang="zh-TW" sz="4800" b="1" spc="50" dirty="0">
+              <a:ln w="11430"/>
+              <a:solidFill>
+                <a:srgbClr val="000066"/>
+              </a:solidFill>
+              <a:latin typeface="微軟正黑體" pitchFamily="34" charset="-120"/>
+              <a:ea typeface="微軟正黑體" pitchFamily="34" charset="-120"/>
+            </a:endParaRPr>
+          </a:p>
+        </p:txBody>
+      </p:sp>
+      <p:sp>
+        <p:nvSpPr>
+          <p:cNvPr id="3" name="TextBox 2"/>
+          <p:cNvSpPr txBox="1"/>
+          <p:nvPr/>
+        </p:nvSpPr>
+        <p:spPr>
+          <a:xfrm>
+            <a:off x="0" y="3867894"/>
+            <a:ext cx="9144000" cy="461665"/>
+          </a:xfrm>
+          <a:prstGeom prst="rect">
+            <a:avLst/>
+          </a:prstGeom>
+          <a:noFill/>
+        </p:spPr>
+        <p:txBody>
+          <a:bodyPr wrap="square" rtlCol="0">
+            <a:spAutoFit/>
+          </a:bodyPr>
+          <a:lstStyle/>
+          <a:p>
+            <a:pPr algn="ctr"/>
+            <a:r>
+              <a:rPr lang="en-US" sz="2400" b="1" dirty="0" smtClean="0">
+                <a:solidFill>
+                  <a:srgbClr val="000066"/>
+                </a:solidFill>
+                <a:latin typeface="Microsoft JhengHei" panose="020B0604030504040204" pitchFamily="34" charset="-120"/>
+                <a:ea typeface="Microsoft JhengHei" panose="020B0604030504040204" pitchFamily="34" charset="-120"/>
+              </a:rPr>
+              <a:t>( </a:t>
+            </a:r>
+            <a:r>
+              <a:rPr lang="zh-CN" altLang="en-US" sz="2400" b="1" dirty="0" smtClean="0">
+                <a:solidFill>
+                  <a:srgbClr val="000066"/>
+                </a:solidFill>
+                <a:latin typeface="Microsoft JhengHei" panose="020B0604030504040204" pitchFamily="34" charset="-120"/>
+                <a:ea typeface="Microsoft JhengHei" panose="020B0604030504040204" pitchFamily="34" charset="-120"/>
+              </a:rPr>
+              <a:t>副</a:t>
+            </a:r>
+            <a:r>
+              <a:rPr lang="en-US" sz="2400" b="1" dirty="0" smtClean="0">
+                <a:solidFill>
+                  <a:srgbClr val="000066"/>
+                </a:solidFill>
+                <a:latin typeface="Microsoft JhengHei" panose="020B0604030504040204" pitchFamily="34" charset="-120"/>
+                <a:ea typeface="Microsoft JhengHei" panose="020B0604030504040204" pitchFamily="34" charset="-120"/>
+              </a:rPr>
+              <a:t> </a:t>
+            </a:r>
+            <a:r>
+              <a:rPr lang="en-US" sz="2400" b="1" dirty="0" smtClean="0">
+                <a:solidFill>
+                  <a:srgbClr val="000066"/>
+                </a:solidFill>
+                <a:latin typeface="Microsoft JhengHei" panose="020B0604030504040204" pitchFamily="34" charset="-120"/>
+                <a:ea typeface="Microsoft JhengHei" panose="020B0604030504040204" pitchFamily="34" charset="-120"/>
+              </a:rPr>
+              <a:t>)</a:t>
+            </a:r>
+            <a:endParaRPr lang="vi-VN" sz="2400" b="1" dirty="0">
+              <a:solidFill>
+                <a:srgbClr val="000066"/>
+              </a:solidFill>
+              <a:ea typeface="Microsoft JhengHei" panose="020B0604030504040204" pitchFamily="34" charset="-120"/>
+            </a:endParaRPr>
+          </a:p>
+        </p:txBody>
+      </p:sp>
+    </p:spTree>
+    <p:extLst>
+      <p:ext uri="{BB962C8B-B14F-4D97-AF65-F5344CB8AC3E}">
+        <p14:creationId xmlns:p14="http://schemas.microsoft.com/office/powerpoint/2010/main" val="2908450499"/>
+      </p:ext>
+    </p:extLst>
+  </p:cSld>
+  <p:clrMapOvr>
+    <a:masterClrMapping/>
+  </p:clrMapOvr>
 </p:sld>
 </file>
 
@@ -4117,6 +4813,8 @@
       </a:bgFillStyleLst>
     </a:fmtScheme>
   </a:themeElements>
+  <a:objectDefaults/>
+  <a:extraClrSchemeLst/>
   <a:extLst>
     <a:ext uri="{05A4C25C-085E-4340-85A3-A5531E510DB2}">
       <thm15:themeFamily xmlns:thm15="http://schemas.microsoft.com/office/thememl/2012/main" name="Office Theme" id="{62F939B6-93AF-4DB8-9C6B-D6C7DFDC589F}" vid="{4A3C46E8-61CC-4603-A589-7422A47A8E4A}"/>
